--- a/Защита/Презентация1.pptx
+++ b/Защита/Презентация1.pptx
@@ -5,7 +5,7 @@
     <p:sldMasterId id="2147483648" r:id="rId1"/>
   </p:sldMasterIdLst>
   <p:notesMasterIdLst>
-    <p:notesMasterId r:id="rId19"/>
+    <p:notesMasterId r:id="rId22"/>
   </p:notesMasterIdLst>
   <p:sldIdLst>
     <p:sldId id="256" r:id="rId2"/>
@@ -23,8 +23,11 @@
     <p:sldId id="268" r:id="rId14"/>
     <p:sldId id="272" r:id="rId15"/>
     <p:sldId id="274" r:id="rId16"/>
-    <p:sldId id="269" r:id="rId17"/>
-    <p:sldId id="267" r:id="rId18"/>
+    <p:sldId id="277" r:id="rId17"/>
+    <p:sldId id="278" r:id="rId18"/>
+    <p:sldId id="279" r:id="rId19"/>
+    <p:sldId id="269" r:id="rId20"/>
+    <p:sldId id="267" r:id="rId21"/>
   </p:sldIdLst>
   <p:sldSz cx="12192000" cy="6858000"/>
   <p:notesSz cx="6858000" cy="9144000"/>
@@ -124,51 +127,6 @@
     </a:lvl9pPr>
   </p:defaultTextStyle>
   <p:extLst>
-    <p:ext uri="{521415D9-36F7-43E2-AB2F-B90AF26B5E84}">
-      <p14:sectionLst xmlns:p14="http://schemas.microsoft.com/office/powerpoint/2010/main">
-        <p14:section name="Раздел по умолчанию" id="{A1C330A2-9F53-4E0E-A0C3-5CBF7AAD02EC}">
-          <p14:sldIdLst>
-            <p14:sldId id="256"/>
-            <p14:sldId id="257"/>
-            <p14:sldId id="258"/>
-            <p14:sldId id="260"/>
-            <p14:sldId id="259"/>
-            <p14:sldId id="275"/>
-          </p14:sldIdLst>
-        </p14:section>
-        <p14:section name="Алгоритм" id="{204CB7F1-A4D8-40DA-9FBE-DB9B223C0280}">
-          <p14:sldIdLst>
-            <p14:sldId id="265"/>
-            <p14:sldId id="266"/>
-            <p14:sldId id="270"/>
-            <p14:sldId id="271"/>
-            <p14:sldId id="273"/>
-          </p14:sldIdLst>
-        </p14:section>
-        <p14:section name="Арихтектура" id="{F9FD38FC-0516-46D2-A377-FCEC1B17DF15}">
-          <p14:sldIdLst>
-            <p14:sldId id="263"/>
-            <p14:sldId id="268"/>
-          </p14:sldIdLst>
-        </p14:section>
-        <p14:section name="Демонстрация работы" id="{2A11CAA3-7BCB-455E-8834-9E1E2A4141AD}">
-          <p14:sldIdLst>
-            <p14:sldId id="272"/>
-          </p14:sldIdLst>
-        </p14:section>
-        <p14:section name="Эксперемент" id="{7D9CFB2E-7099-40F3-9F35-16404630BB40}">
-          <p14:sldIdLst>
-            <p14:sldId id="274"/>
-          </p14:sldIdLst>
-        </p14:section>
-        <p14:section name="Заключение" id="{177F73BD-81BD-4AEB-BB40-6C4A91555D0E}">
-          <p14:sldIdLst>
-            <p14:sldId id="269"/>
-            <p14:sldId id="267"/>
-          </p14:sldIdLst>
-        </p14:section>
-      </p14:sectionLst>
-    </p:ext>
     <p:ext uri="{EFAFB233-063F-42B5-8137-9DF3F51BA10A}">
       <p15:sldGuideLst xmlns:p15="http://schemas.microsoft.com/office/powerpoint/2012/main">
         <p15:guide id="1" orient="horz" pos="2160" userDrawn="1">
@@ -693,7 +651,7 @@
           <a:bodyPr/>
           <a:lstStyle/>
           <a:p>
-            <a:fld id="{3A19EDCE-D94E-48F6-A2ED-485E00401A57}" type="datetime1">
+            <a:fld id="{3E0791DB-58A5-4090-9CF7-EA9E03E3015F}" type="datetime1">
               <a:rPr lang="ru-RU" smtClean="0"/>
               <a:t>пт 03.06.22</a:t>
             </a:fld>
@@ -891,7 +849,7 @@
           <a:bodyPr/>
           <a:lstStyle/>
           <a:p>
-            <a:fld id="{4FB8A159-769C-4087-8135-295F019DF637}" type="datetime1">
+            <a:fld id="{571E96F9-C5ED-4839-AE63-6DD1DB814A45}" type="datetime1">
               <a:rPr lang="ru-RU" smtClean="0"/>
               <a:t>пт 03.06.22</a:t>
             </a:fld>
@@ -1099,7 +1057,7 @@
           <a:bodyPr/>
           <a:lstStyle/>
           <a:p>
-            <a:fld id="{BD0DBCB1-0312-46E7-992B-3FE8256FC551}" type="datetime1">
+            <a:fld id="{308B1B71-981E-4FE9-84DC-A2415D4CAD14}" type="datetime1">
               <a:rPr lang="ru-RU" smtClean="0"/>
               <a:t>пт 03.06.22</a:t>
             </a:fld>
@@ -1297,7 +1255,7 @@
           <a:bodyPr/>
           <a:lstStyle/>
           <a:p>
-            <a:fld id="{951CB336-6B02-41C9-A7D4-034E46787113}" type="datetime1">
+            <a:fld id="{7EB85753-1063-4B28-84C1-E460FEE6A540}" type="datetime1">
               <a:rPr lang="ru-RU" smtClean="0"/>
               <a:t>пт 03.06.22</a:t>
             </a:fld>
@@ -1572,7 +1530,7 @@
           <a:bodyPr/>
           <a:lstStyle/>
           <a:p>
-            <a:fld id="{616FF927-758A-42E0-A046-E4D5CD5F47B4}" type="datetime1">
+            <a:fld id="{FFBA96B2-7C35-4E34-8CEC-C66BBA3094DE}" type="datetime1">
               <a:rPr lang="ru-RU" smtClean="0"/>
               <a:t>пт 03.06.22</a:t>
             </a:fld>
@@ -1837,7 +1795,7 @@
           <a:bodyPr/>
           <a:lstStyle/>
           <a:p>
-            <a:fld id="{DA9C3F6B-4095-4D9A-84A0-83F2004DD890}" type="datetime1">
+            <a:fld id="{A1F247BC-C6A3-4A16-B529-183190D9233C}" type="datetime1">
               <a:rPr lang="ru-RU" smtClean="0"/>
               <a:t>пт 03.06.22</a:t>
             </a:fld>
@@ -2249,7 +2207,7 @@
           <a:bodyPr/>
           <a:lstStyle/>
           <a:p>
-            <a:fld id="{E603C48D-BAAF-4B92-8AB8-613248E5D0BB}" type="datetime1">
+            <a:fld id="{368C37A2-6E6A-41D6-B4D9-5F4C8E0F2524}" type="datetime1">
               <a:rPr lang="ru-RU" smtClean="0"/>
               <a:t>пт 03.06.22</a:t>
             </a:fld>
@@ -2390,7 +2348,7 @@
           <a:bodyPr/>
           <a:lstStyle/>
           <a:p>
-            <a:fld id="{A473E7A6-E4E3-4683-8009-5E3B74A83E39}" type="datetime1">
+            <a:fld id="{9D2B5484-B19E-45DA-92ED-2A77837E127D}" type="datetime1">
               <a:rPr lang="ru-RU" smtClean="0"/>
               <a:t>пт 03.06.22</a:t>
             </a:fld>
@@ -2503,7 +2461,7 @@
           <a:bodyPr/>
           <a:lstStyle/>
           <a:p>
-            <a:fld id="{E260E5A3-7547-474A-B6A1-735D67C1EE1B}" type="datetime1">
+            <a:fld id="{BE663084-1FCD-4FB8-BD5D-89578943CAF6}" type="datetime1">
               <a:rPr lang="ru-RU" smtClean="0"/>
               <a:t>пт 03.06.22</a:t>
             </a:fld>
@@ -2814,7 +2772,7 @@
           <a:bodyPr/>
           <a:lstStyle/>
           <a:p>
-            <a:fld id="{F6127BB8-EC0F-437D-901A-096F359441EC}" type="datetime1">
+            <a:fld id="{6732622D-64B1-41FE-A40F-8F2461367E83}" type="datetime1">
               <a:rPr lang="ru-RU" smtClean="0"/>
               <a:t>пт 03.06.22</a:t>
             </a:fld>
@@ -3102,7 +3060,7 @@
           <a:bodyPr/>
           <a:lstStyle/>
           <a:p>
-            <a:fld id="{A907546D-3E56-488B-99AB-05F1A06E86E5}" type="datetime1">
+            <a:fld id="{C8E3769E-E4F5-48B3-A373-F3FCEDFBC903}" type="datetime1">
               <a:rPr lang="ru-RU" smtClean="0"/>
               <a:t>пт 03.06.22</a:t>
             </a:fld>
@@ -3343,7 +3301,7 @@
             </a:lvl1pPr>
           </a:lstStyle>
           <a:p>
-            <a:fld id="{61C1B895-4096-42D0-B1F6-7652AD9310E7}" type="datetime1">
+            <a:fld id="{7A47B8F5-48C8-47E4-B573-3E1A44302230}" type="datetime1">
               <a:rPr lang="ru-RU" smtClean="0"/>
               <a:t>пт 03.06.22</a:t>
             </a:fld>
@@ -4730,7 +4688,7 @@
               <a:rPr lang="ru-RU" sz="2400" dirty="0">
                 <a:latin typeface="+mj-lt"/>
               </a:rPr>
-              <a:t>это связующее звено между представлением и моделью, обрабатывает действия пользователя, полученные от представления и отдает команды модели.</a:t>
+              <a:t>Контроллер - это связующее звено между представлением и моделью, обрабатывает действия пользователя, полученные от представления и отдает команды модели.</a:t>
             </a:r>
           </a:p>
           <a:p>
@@ -4761,6 +4719,35 @@
             <a:endParaRPr lang="ru-RU" dirty="0">
               <a:latin typeface="+mj-lt"/>
             </a:endParaRPr>
+          </a:p>
+        </p:txBody>
+      </p:sp>
+      <p:sp>
+        <p:nvSpPr>
+          <p:cNvPr id="4" name="Номер слайда 3">
+            <a:extLst>
+              <a:ext uri="{FF2B5EF4-FFF2-40B4-BE49-F238E27FC236}">
+                <a16:creationId xmlns:a16="http://schemas.microsoft.com/office/drawing/2014/main" id="{61DCC742-0C04-F659-7474-51B3E878CD0F}"/>
+              </a:ext>
+            </a:extLst>
+          </p:cNvPr>
+          <p:cNvSpPr>
+            <a:spLocks noGrp="1"/>
+          </p:cNvSpPr>
+          <p:nvPr>
+            <p:ph type="sldNum" sz="quarter" idx="12"/>
+          </p:nvPr>
+        </p:nvSpPr>
+        <p:spPr/>
+        <p:txBody>
+          <a:bodyPr/>
+          <a:lstStyle/>
+          <a:p>
+            <a:fld id="{EB2452EA-49EB-437E-AEAF-228AB19C4ED2}" type="slidenum">
+              <a:rPr lang="ru-RU" smtClean="0"/>
+              <a:t>12</a:t>
+            </a:fld>
+            <a:endParaRPr lang="ru-RU"/>
           </a:p>
         </p:txBody>
       </p:sp>
@@ -4857,6 +4844,35 @@
           </a:xfrm>
         </p:spPr>
       </p:pic>
+      <p:sp>
+        <p:nvSpPr>
+          <p:cNvPr id="3" name="Номер слайда 2">
+            <a:extLst>
+              <a:ext uri="{FF2B5EF4-FFF2-40B4-BE49-F238E27FC236}">
+                <a16:creationId xmlns:a16="http://schemas.microsoft.com/office/drawing/2014/main" id="{1AF9E109-AC00-A52F-F359-158934ADEA13}"/>
+              </a:ext>
+            </a:extLst>
+          </p:cNvPr>
+          <p:cNvSpPr>
+            <a:spLocks noGrp="1"/>
+          </p:cNvSpPr>
+          <p:nvPr>
+            <p:ph type="sldNum" sz="quarter" idx="12"/>
+          </p:nvPr>
+        </p:nvSpPr>
+        <p:spPr/>
+        <p:txBody>
+          <a:bodyPr/>
+          <a:lstStyle/>
+          <a:p>
+            <a:fld id="{EB2452EA-49EB-437E-AEAF-228AB19C4ED2}" type="slidenum">
+              <a:rPr lang="ru-RU" smtClean="0"/>
+              <a:t>13</a:t>
+            </a:fld>
+            <a:endParaRPr lang="ru-RU"/>
+          </a:p>
+        </p:txBody>
+      </p:sp>
     </p:spTree>
     <p:extLst>
       <p:ext uri="{BB962C8B-B14F-4D97-AF65-F5344CB8AC3E}">
@@ -4910,42 +4926,762 @@
           <a:p>
             <a:r>
               <a:rPr lang="ru-RU" dirty="0"/>
-              <a:t>Демонстрация </a:t>
-            </a:r>
-          </a:p>
-        </p:txBody>
-      </p:sp>
-      <p:sp>
-        <p:nvSpPr>
-          <p:cNvPr id="3" name="Объект 2">
-            <a:extLst>
-              <a:ext uri="{FF2B5EF4-FFF2-40B4-BE49-F238E27FC236}">
-                <a16:creationId xmlns:a16="http://schemas.microsoft.com/office/drawing/2014/main" id="{1C6CFFA0-C393-6662-5E7B-8040C0BB01E5}"/>
-              </a:ext>
-            </a:extLst>
-          </p:cNvPr>
-          <p:cNvSpPr>
-            <a:spLocks noGrp="1"/>
-          </p:cNvSpPr>
-          <p:nvPr>
-            <p:ph idx="1"/>
-          </p:nvPr>
-        </p:nvSpPr>
-        <p:spPr/>
-        <p:txBody>
-          <a:bodyPr/>
-          <a:lstStyle/>
-          <a:p>
-            <a:endParaRPr lang="ru-RU"/>
-          </a:p>
-        </p:txBody>
-      </p:sp>
-      <p:sp>
-        <p:nvSpPr>
-          <p:cNvPr id="4" name="Номер слайда 3">
-            <a:extLst>
-              <a:ext uri="{FF2B5EF4-FFF2-40B4-BE49-F238E27FC236}">
-                <a16:creationId xmlns:a16="http://schemas.microsoft.com/office/drawing/2014/main" id="{F3D7A1F1-E13E-0CB9-305A-BCD5DA1A4D99}"/>
+              <a:t>Исследование </a:t>
+            </a:r>
+          </a:p>
+        </p:txBody>
+      </p:sp>
+      <p:sp>
+        <p:nvSpPr>
+          <p:cNvPr id="7" name="Объект 6">
+            <a:extLst>
+              <a:ext uri="{FF2B5EF4-FFF2-40B4-BE49-F238E27FC236}">
+                <a16:creationId xmlns:a16="http://schemas.microsoft.com/office/drawing/2014/main" id="{0FFD8056-94AB-11F4-C167-C983F333EBC9}"/>
+              </a:ext>
+            </a:extLst>
+          </p:cNvPr>
+          <p:cNvSpPr>
+            <a:spLocks noGrp="1"/>
+          </p:cNvSpPr>
+          <p:nvPr>
+            <p:ph sz="half" idx="1"/>
+          </p:nvPr>
+        </p:nvSpPr>
+        <p:spPr>
+          <a:xfrm>
+            <a:off x="838199" y="1825624"/>
+            <a:ext cx="5457825" cy="4860925"/>
+          </a:xfrm>
+        </p:spPr>
+        <p:txBody>
+          <a:bodyPr>
+            <a:normAutofit fontScale="92500" lnSpcReduction="10000"/>
+          </a:bodyPr>
+          <a:lstStyle/>
+          <a:p>
+            <a:r>
+              <a:rPr lang="ru-RU" sz="2400" dirty="0">
+                <a:latin typeface="+mj-lt"/>
+              </a:rPr>
+              <a:t>Выборка:</a:t>
+            </a:r>
+          </a:p>
+          <a:p>
+            <a:pPr lvl="1"/>
+            <a:r>
+              <a:rPr lang="ru-RU" sz="2000" dirty="0">
+                <a:latin typeface="+mj-lt"/>
+              </a:rPr>
+              <a:t>30 электронных документов</a:t>
+            </a:r>
+          </a:p>
+          <a:p>
+            <a:pPr marL="457200" lvl="1" indent="0">
+              <a:buNone/>
+            </a:pPr>
+            <a:endParaRPr lang="ru-RU" sz="2000" dirty="0">
+              <a:latin typeface="+mj-lt"/>
+            </a:endParaRPr>
+          </a:p>
+          <a:p>
+            <a:r>
+              <a:rPr lang="ru-RU" dirty="0">
+                <a:latin typeface="+mj-lt"/>
+              </a:rPr>
+              <a:t>Критерии оценки</a:t>
+            </a:r>
+          </a:p>
+          <a:p>
+            <a:pPr lvl="1"/>
+            <a:r>
+              <a:rPr lang="ru-RU" sz="2000" dirty="0">
+                <a:latin typeface="+mj-lt"/>
+              </a:rPr>
+              <a:t>Процент пересечения (1)</a:t>
+            </a:r>
+          </a:p>
+          <a:p>
+            <a:pPr lvl="1"/>
+            <a:r>
+              <a:rPr lang="ru-RU" sz="2000" dirty="0">
+                <a:latin typeface="+mj-lt"/>
+              </a:rPr>
+              <a:t>Средний процент пересечения (2)</a:t>
+            </a:r>
+          </a:p>
+          <a:p>
+            <a:pPr lvl="1"/>
+            <a:r>
+              <a:rPr lang="ru-RU" sz="2000" dirty="0">
+                <a:latin typeface="+mj-lt"/>
+              </a:rPr>
+              <a:t>Минимальный процент пересечения (3)</a:t>
+            </a:r>
+          </a:p>
+          <a:p>
+            <a:pPr lvl="1"/>
+            <a:r>
+              <a:rPr lang="ru-RU" sz="2000" dirty="0">
+                <a:latin typeface="+mj-lt"/>
+              </a:rPr>
+              <a:t>Максимальный процент пересечения (4)</a:t>
+            </a:r>
+          </a:p>
+          <a:p>
+            <a:pPr lvl="1"/>
+            <a:endParaRPr lang="ru-RU" sz="2000" dirty="0">
+              <a:latin typeface="+mj-lt"/>
+            </a:endParaRPr>
+          </a:p>
+          <a:p>
+            <a:r>
+              <a:rPr lang="ru-RU" sz="2400" dirty="0">
+                <a:latin typeface="+mj-lt"/>
+              </a:rPr>
+              <a:t>Условия:</a:t>
+            </a:r>
+          </a:p>
+          <a:p>
+            <a:pPr lvl="1"/>
+            <a:r>
+              <a:rPr lang="ru-RU" sz="2000" dirty="0">
+                <a:latin typeface="+mj-lt"/>
+              </a:rPr>
+              <a:t>Текс документа содержит в себе только одну тему</a:t>
+            </a:r>
+          </a:p>
+          <a:p>
+            <a:pPr lvl="1"/>
+            <a:r>
+              <a:rPr lang="ru-RU" sz="2000" dirty="0">
+                <a:latin typeface="+mj-lt"/>
+              </a:rPr>
+              <a:t>Документ написан на русском языке</a:t>
+            </a:r>
+          </a:p>
+          <a:p>
+            <a:pPr lvl="1"/>
+            <a:r>
+              <a:rPr lang="ru-RU" sz="2000" dirty="0">
+                <a:latin typeface="+mj-lt"/>
+              </a:rPr>
+              <a:t>Документы формата </a:t>
+            </a:r>
+            <a:r>
+              <a:rPr lang="en-US" sz="2000" dirty="0">
+                <a:latin typeface="+mj-lt"/>
+              </a:rPr>
+              <a:t>PDF</a:t>
+            </a:r>
+            <a:endParaRPr lang="ru-RU" sz="2000" dirty="0">
+              <a:latin typeface="+mj-lt"/>
+            </a:endParaRPr>
+          </a:p>
+          <a:p>
+            <a:pPr lvl="1"/>
+            <a:r>
+              <a:rPr lang="ru-RU" sz="2000" dirty="0">
+                <a:latin typeface="+mj-lt"/>
+              </a:rPr>
+              <a:t>Должен содержать не менее 50 слов</a:t>
+            </a:r>
+          </a:p>
+          <a:p>
+            <a:pPr lvl="1"/>
+            <a:endParaRPr lang="ru-RU" sz="2000" dirty="0">
+              <a:latin typeface="+mj-lt"/>
+            </a:endParaRPr>
+          </a:p>
+        </p:txBody>
+      </p:sp>
+      <mc:AlternateContent xmlns:mc="http://schemas.openxmlformats.org/markup-compatibility/2006">
+        <mc:Choice xmlns:a14="http://schemas.microsoft.com/office/drawing/2010/main" Requires="a14">
+          <p:sp>
+            <p:nvSpPr>
+              <p:cNvPr id="11" name="Объект 10">
+                <a:extLst>
+                  <a:ext uri="{FF2B5EF4-FFF2-40B4-BE49-F238E27FC236}">
+                    <a16:creationId xmlns:a16="http://schemas.microsoft.com/office/drawing/2014/main" id="{D3F6C295-938F-1598-404E-BB93341AB3AC}"/>
+                  </a:ext>
+                </a:extLst>
+              </p:cNvPr>
+              <p:cNvSpPr>
+                <a:spLocks noGrp="1"/>
+              </p:cNvSpPr>
+              <p:nvPr>
+                <p:ph sz="half" idx="2"/>
+              </p:nvPr>
+            </p:nvSpPr>
+            <p:spPr/>
+            <p:txBody>
+              <a:bodyPr>
+                <a:normAutofit fontScale="92500" lnSpcReduction="10000"/>
+              </a:bodyPr>
+              <a:lstStyle/>
+              <a:p>
+                <a:pPr marL="0" indent="0" algn="ctr">
+                  <a:buNone/>
+                </a:pPr>
+                <a14:m>
+                  <m:oMath xmlns:m="http://schemas.openxmlformats.org/officeDocument/2006/math">
+                    <m:r>
+                      <a:rPr lang="en-US" b="0" i="1" smtClean="0">
+                        <a:latin typeface="+mj-lt"/>
+                      </a:rPr>
+                      <m:t>𝑅</m:t>
+                    </m:r>
+                    <m:r>
+                      <a:rPr lang="en-US" b="0" i="1" smtClean="0">
+                        <a:latin typeface="+mj-lt"/>
+                      </a:rPr>
+                      <m:t>= </m:t>
+                    </m:r>
+                    <m:f>
+                      <m:fPr>
+                        <m:ctrlPr>
+                          <a:rPr lang="en-US" b="0" i="1" smtClean="0">
+                            <a:latin typeface="+mj-lt"/>
+                          </a:rPr>
+                        </m:ctrlPr>
+                      </m:fPr>
+                      <m:num>
+                        <m:sSub>
+                          <m:sSubPr>
+                            <m:ctrlPr>
+                              <a:rPr lang="en-US" b="0" i="1" smtClean="0">
+                                <a:latin typeface="+mj-lt"/>
+                              </a:rPr>
+                            </m:ctrlPr>
+                          </m:sSubPr>
+                          <m:e>
+                            <m:r>
+                              <a:rPr lang="en-US" b="0" i="1" smtClean="0">
+                                <a:latin typeface="+mj-lt"/>
+                              </a:rPr>
+                              <m:t>𝑁</m:t>
+                            </m:r>
+                          </m:e>
+                          <m:sub>
+                            <m:r>
+                              <a:rPr lang="en-US" b="0" i="1" smtClean="0">
+                                <a:latin typeface="+mj-lt"/>
+                              </a:rPr>
+                              <m:t>𝑑𝑜𝑐</m:t>
+                            </m:r>
+                          </m:sub>
+                        </m:sSub>
+                      </m:num>
+                      <m:den>
+                        <m:sSub>
+                          <m:sSubPr>
+                            <m:ctrlPr>
+                              <a:rPr lang="en-US" b="0" i="1" smtClean="0">
+                                <a:latin typeface="+mj-lt"/>
+                              </a:rPr>
+                            </m:ctrlPr>
+                          </m:sSubPr>
+                          <m:e>
+                            <m:r>
+                              <a:rPr lang="en-US" b="0" i="1" smtClean="0">
+                                <a:latin typeface="+mj-lt"/>
+                              </a:rPr>
+                              <m:t>𝑁</m:t>
+                            </m:r>
+                          </m:e>
+                          <m:sub>
+                            <m:r>
+                              <a:rPr lang="en-US" b="0" i="1" smtClean="0">
+                                <a:latin typeface="+mj-lt"/>
+                              </a:rPr>
+                              <m:t>𝑐𝑟𝑜𝑠𝑠</m:t>
+                            </m:r>
+                          </m:sub>
+                        </m:sSub>
+                      </m:den>
+                    </m:f>
+                  </m:oMath>
+                </a14:m>
+                <a:r>
+                  <a:rPr lang="en-US" dirty="0">
+                    <a:latin typeface="+mj-lt"/>
+                  </a:rPr>
+                  <a:t> </a:t>
+                </a:r>
+                <a:r>
+                  <a:rPr lang="ru-RU" dirty="0">
+                    <a:latin typeface="+mj-lt"/>
+                  </a:rPr>
+                  <a:t>  (1)</a:t>
+                </a:r>
+                <a:endParaRPr lang="en-US" dirty="0">
+                  <a:latin typeface="+mj-lt"/>
+                </a:endParaRPr>
+              </a:p>
+              <a:p>
+                <a:pPr marL="0" indent="0" algn="ctr">
+                  <a:buNone/>
+                </a:pPr>
+                <a:endParaRPr lang="en-US" b="0" i="1" dirty="0">
+                  <a:latin typeface="+mj-lt"/>
+                </a:endParaRPr>
+              </a:p>
+              <a:p>
+                <a:pPr marL="0" indent="0" algn="ctr">
+                  <a:buNone/>
+                </a:pPr>
+                <a:r>
+                  <a:rPr lang="en-US" b="0" dirty="0">
+                    <a:latin typeface="+mj-lt"/>
+                  </a:rPr>
+                  <a:t> </a:t>
+                </a:r>
+                <a14:m>
+                  <m:oMath xmlns:m="http://schemas.openxmlformats.org/officeDocument/2006/math">
+                    <m:sSub>
+                      <m:sSubPr>
+                        <m:ctrlPr>
+                          <a:rPr lang="en-US" b="0" i="1" smtClean="0">
+                            <a:latin typeface="+mj-lt"/>
+                          </a:rPr>
+                        </m:ctrlPr>
+                      </m:sSubPr>
+                      <m:e>
+                        <m:r>
+                          <a:rPr lang="en-US" b="0" i="1" smtClean="0">
+                            <a:latin typeface="+mj-lt"/>
+                          </a:rPr>
+                          <m:t>𝑅</m:t>
+                        </m:r>
+                      </m:e>
+                      <m:sub>
+                        <m:r>
+                          <a:rPr lang="en-US" b="0" i="1" smtClean="0">
+                            <a:latin typeface="+mj-lt"/>
+                          </a:rPr>
+                          <m:t>𝑚𝑖𝑑</m:t>
+                        </m:r>
+                      </m:sub>
+                    </m:sSub>
+                    <m:r>
+                      <a:rPr lang="en-US" b="0" i="1" smtClean="0">
+                        <a:latin typeface="+mj-lt"/>
+                      </a:rPr>
+                      <m:t>= </m:t>
+                    </m:r>
+                    <m:f>
+                      <m:fPr>
+                        <m:ctrlPr>
+                          <a:rPr lang="en-US" b="0" i="1" smtClean="0">
+                            <a:latin typeface="+mj-lt"/>
+                          </a:rPr>
+                        </m:ctrlPr>
+                      </m:fPr>
+                      <m:num>
+                        <m:nary>
+                          <m:naryPr>
+                            <m:chr m:val="∑"/>
+                            <m:ctrlPr>
+                              <a:rPr lang="en-US" b="0" i="1" smtClean="0">
+                                <a:latin typeface="+mj-lt"/>
+                              </a:rPr>
+                            </m:ctrlPr>
+                          </m:naryPr>
+                          <m:sub>
+                            <m:r>
+                              <m:rPr>
+                                <m:brk m:alnAt="23"/>
+                              </m:rPr>
+                              <a:rPr lang="en-US" b="0" i="1" smtClean="0">
+                                <a:latin typeface="+mj-lt"/>
+                              </a:rPr>
+                              <m:t>0</m:t>
+                            </m:r>
+                          </m:sub>
+                          <m:sup>
+                            <m:r>
+                              <a:rPr lang="en-US" b="0" i="1" smtClean="0">
+                                <a:latin typeface="+mj-lt"/>
+                              </a:rPr>
+                              <m:t>𝑁</m:t>
+                            </m:r>
+                          </m:sup>
+                          <m:e>
+                            <m:r>
+                              <a:rPr lang="en-US" b="0" i="1" smtClean="0">
+                                <a:latin typeface="+mj-lt"/>
+                              </a:rPr>
+                              <m:t>𝑅</m:t>
+                            </m:r>
+                          </m:e>
+                        </m:nary>
+                      </m:num>
+                      <m:den>
+                        <m:r>
+                          <a:rPr lang="en-US" b="0" i="1" smtClean="0">
+                            <a:latin typeface="+mj-lt"/>
+                          </a:rPr>
+                          <m:t>𝑁</m:t>
+                        </m:r>
+                      </m:den>
+                    </m:f>
+                  </m:oMath>
+                </a14:m>
+                <a:r>
+                  <a:rPr lang="en-US" dirty="0">
+                    <a:latin typeface="+mj-lt"/>
+                  </a:rPr>
+                  <a:t> </a:t>
+                </a:r>
+                <a:r>
+                  <a:rPr lang="ru-RU" dirty="0">
+                    <a:latin typeface="+mj-lt"/>
+                  </a:rPr>
+                  <a:t>  (2)</a:t>
+                </a:r>
+                <a:endParaRPr lang="en-US" dirty="0">
+                  <a:latin typeface="+mj-lt"/>
+                </a:endParaRPr>
+              </a:p>
+              <a:p>
+                <a:pPr marL="0" indent="0" algn="ctr">
+                  <a:buNone/>
+                </a:pPr>
+                <a:endParaRPr lang="en-US" b="0" i="1" dirty="0">
+                  <a:latin typeface="+mj-lt"/>
+                </a:endParaRPr>
+              </a:p>
+              <a:p>
+                <a:pPr marL="0" indent="0" algn="ctr">
+                  <a:buNone/>
+                </a:pPr>
+                <a14:m>
+                  <m:oMath xmlns:m="http://schemas.openxmlformats.org/officeDocument/2006/math">
+                    <m:sSub>
+                      <m:sSubPr>
+                        <m:ctrlPr>
+                          <a:rPr lang="en-US" b="0" i="1" smtClean="0">
+                            <a:latin typeface="+mj-lt"/>
+                          </a:rPr>
+                        </m:ctrlPr>
+                      </m:sSubPr>
+                      <m:e>
+                        <m:r>
+                          <a:rPr lang="en-US" b="0" i="1" smtClean="0">
+                            <a:latin typeface="+mj-lt"/>
+                          </a:rPr>
+                          <m:t>𝑅</m:t>
+                        </m:r>
+                      </m:e>
+                      <m:sub>
+                        <m:r>
+                          <a:rPr lang="en-US" b="0" i="1" smtClean="0">
+                            <a:latin typeface="+mj-lt"/>
+                          </a:rPr>
+                          <m:t>𝑚𝑖𝑛</m:t>
+                        </m:r>
+                      </m:sub>
+                    </m:sSub>
+                    <m:r>
+                      <a:rPr lang="en-US" b="0" i="1" smtClean="0">
+                        <a:latin typeface="+mj-lt"/>
+                      </a:rPr>
+                      <m:t>= </m:t>
+                    </m:r>
+                    <m:func>
+                      <m:funcPr>
+                        <m:ctrlPr>
+                          <a:rPr lang="en-US" b="0" i="1" smtClean="0">
+                            <a:latin typeface="+mj-lt"/>
+                          </a:rPr>
+                        </m:ctrlPr>
+                      </m:funcPr>
+                      <m:fName>
+                        <m:limLow>
+                          <m:limLowPr>
+                            <m:ctrlPr>
+                              <a:rPr lang="en-US" b="0" i="1" smtClean="0">
+                                <a:latin typeface="+mj-lt"/>
+                              </a:rPr>
+                            </m:ctrlPr>
+                          </m:limLowPr>
+                          <m:e>
+                            <m:r>
+                              <m:rPr>
+                                <m:sty m:val="p"/>
+                              </m:rPr>
+                              <a:rPr lang="en-US" b="0" i="0" smtClean="0">
+                                <a:latin typeface="+mj-lt"/>
+                              </a:rPr>
+                              <m:t>min</m:t>
+                            </m:r>
+                          </m:e>
+                          <m:lim>
+                            <m:r>
+                              <a:rPr lang="en-US" b="0" i="1" smtClean="0">
+                                <a:latin typeface="+mj-lt"/>
+                              </a:rPr>
+                              <m:t>𝑛</m:t>
+                            </m:r>
+                            <m:r>
+                              <a:rPr lang="en-US" b="0" i="1" smtClean="0">
+                                <a:latin typeface="+mj-lt"/>
+                              </a:rPr>
+                              <m:t> →</m:t>
+                            </m:r>
+                            <m:r>
+                              <a:rPr lang="en-US" b="0" i="1" smtClean="0">
+                                <a:latin typeface="+mj-lt"/>
+                              </a:rPr>
+                              <m:t>𝑁</m:t>
+                            </m:r>
+                          </m:lim>
+                        </m:limLow>
+                      </m:fName>
+                      <m:e>
+                        <m:r>
+                          <a:rPr lang="en-US" b="0" i="1" smtClean="0">
+                            <a:latin typeface="+mj-lt"/>
+                          </a:rPr>
+                          <m:t>(</m:t>
+                        </m:r>
+                        <m:sSub>
+                          <m:sSubPr>
+                            <m:ctrlPr>
+                              <a:rPr lang="en-US" b="0" i="1" smtClean="0">
+                                <a:latin typeface="+mj-lt"/>
+                              </a:rPr>
+                            </m:ctrlPr>
+                          </m:sSubPr>
+                          <m:e>
+                            <m:r>
+                              <a:rPr lang="en-US" b="0" i="1" smtClean="0">
+                                <a:latin typeface="+mj-lt"/>
+                              </a:rPr>
+                              <m:t>𝑅</m:t>
+                            </m:r>
+                          </m:e>
+                          <m:sub>
+                            <m:r>
+                              <a:rPr lang="en-US" b="0" i="1" smtClean="0">
+                                <a:latin typeface="+mj-lt"/>
+                              </a:rPr>
+                              <m:t>𝑛</m:t>
+                            </m:r>
+                          </m:sub>
+                        </m:sSub>
+                        <m:r>
+                          <a:rPr lang="en-US" b="0" i="1" smtClean="0">
+                            <a:latin typeface="+mj-lt"/>
+                          </a:rPr>
+                          <m:t>)</m:t>
+                        </m:r>
+                      </m:e>
+                    </m:func>
+                  </m:oMath>
+                </a14:m>
+                <a:r>
+                  <a:rPr lang="ru-RU" dirty="0">
+                    <a:latin typeface="+mj-lt"/>
+                  </a:rPr>
+                  <a:t>  (3)</a:t>
+                </a:r>
+                <a:endParaRPr lang="en-US" dirty="0">
+                  <a:latin typeface="+mj-lt"/>
+                </a:endParaRPr>
+              </a:p>
+              <a:p>
+                <a:pPr marL="0" indent="0" algn="ctr">
+                  <a:buNone/>
+                </a:pPr>
+                <a:endParaRPr lang="en-US" dirty="0">
+                  <a:latin typeface="+mj-lt"/>
+                </a:endParaRPr>
+              </a:p>
+              <a:p>
+                <a:pPr marL="0" indent="0" algn="ctr">
+                  <a:buNone/>
+                </a:pPr>
+                <a14:m>
+                  <m:oMath xmlns:m="http://schemas.openxmlformats.org/officeDocument/2006/math">
+                    <m:sSub>
+                      <m:sSubPr>
+                        <m:ctrlPr>
+                          <a:rPr lang="ru-RU" i="1" smtClean="0">
+                            <a:latin typeface="+mj-lt"/>
+                          </a:rPr>
+                        </m:ctrlPr>
+                      </m:sSubPr>
+                      <m:e>
+                        <m:r>
+                          <a:rPr lang="en-US" b="0" i="1" smtClean="0">
+                            <a:latin typeface="+mj-lt"/>
+                          </a:rPr>
+                          <m:t>𝑅</m:t>
+                        </m:r>
+                      </m:e>
+                      <m:sub>
+                        <m:r>
+                          <a:rPr lang="en-US" b="0" i="1" smtClean="0">
+                            <a:latin typeface="+mj-lt"/>
+                          </a:rPr>
+                          <m:t>𝑚𝑎𝑥</m:t>
+                        </m:r>
+                      </m:sub>
+                    </m:sSub>
+                    <m:r>
+                      <a:rPr lang="en-US" b="0" i="0" smtClean="0">
+                        <a:latin typeface="+mj-lt"/>
+                      </a:rPr>
+                      <m:t>= </m:t>
+                    </m:r>
+                    <m:func>
+                      <m:funcPr>
+                        <m:ctrlPr>
+                          <a:rPr lang="en-US" b="0" i="1" smtClean="0">
+                            <a:latin typeface="+mj-lt"/>
+                          </a:rPr>
+                        </m:ctrlPr>
+                      </m:funcPr>
+                      <m:fName>
+                        <m:limLow>
+                          <m:limLowPr>
+                            <m:ctrlPr>
+                              <a:rPr lang="en-US" b="0" i="1" smtClean="0">
+                                <a:latin typeface="+mj-lt"/>
+                              </a:rPr>
+                            </m:ctrlPr>
+                          </m:limLowPr>
+                          <m:e>
+                            <m:r>
+                              <m:rPr>
+                                <m:sty m:val="p"/>
+                              </m:rPr>
+                              <a:rPr lang="en-US" b="0" i="0" smtClean="0">
+                                <a:latin typeface="+mj-lt"/>
+                              </a:rPr>
+                              <m:t>max</m:t>
+                            </m:r>
+                          </m:e>
+                          <m:lim>
+                            <m:r>
+                              <a:rPr lang="en-US" b="0" i="1" smtClean="0">
+                                <a:latin typeface="+mj-lt"/>
+                              </a:rPr>
+                              <m:t>𝑛</m:t>
+                            </m:r>
+                            <m:r>
+                              <a:rPr lang="en-US" b="0" i="1" smtClean="0">
+                                <a:latin typeface="+mj-lt"/>
+                              </a:rPr>
+                              <m:t> →</m:t>
+                            </m:r>
+                            <m:r>
+                              <a:rPr lang="en-US" b="0" i="1" smtClean="0">
+                                <a:latin typeface="+mj-lt"/>
+                              </a:rPr>
+                              <m:t>𝑁</m:t>
+                            </m:r>
+                          </m:lim>
+                        </m:limLow>
+                      </m:fName>
+                      <m:e>
+                        <m:r>
+                          <a:rPr lang="en-US" b="0" i="1" smtClean="0">
+                            <a:latin typeface="+mj-lt"/>
+                          </a:rPr>
+                          <m:t>(</m:t>
+                        </m:r>
+                        <m:sSub>
+                          <m:sSubPr>
+                            <m:ctrlPr>
+                              <a:rPr lang="en-US" b="0" i="1" smtClean="0">
+                                <a:latin typeface="+mj-lt"/>
+                              </a:rPr>
+                            </m:ctrlPr>
+                          </m:sSubPr>
+                          <m:e>
+                            <m:r>
+                              <a:rPr lang="en-US" b="0" i="1" smtClean="0">
+                                <a:latin typeface="+mj-lt"/>
+                              </a:rPr>
+                              <m:t>𝑅</m:t>
+                            </m:r>
+                          </m:e>
+                          <m:sub>
+                            <m:r>
+                              <a:rPr lang="en-US" b="0" i="1" smtClean="0">
+                                <a:latin typeface="+mj-lt"/>
+                              </a:rPr>
+                              <m:t>𝑛</m:t>
+                            </m:r>
+                          </m:sub>
+                        </m:sSub>
+                        <m:r>
+                          <a:rPr lang="en-US" b="0" i="1" smtClean="0">
+                            <a:latin typeface="+mj-lt"/>
+                          </a:rPr>
+                          <m:t>)</m:t>
+                        </m:r>
+                      </m:e>
+                    </m:func>
+                  </m:oMath>
+                </a14:m>
+                <a:r>
+                  <a:rPr lang="ru-RU" dirty="0">
+                    <a:latin typeface="+mj-lt"/>
+                  </a:rPr>
+                  <a:t>  (4)</a:t>
+                </a:r>
+              </a:p>
+            </p:txBody>
+          </p:sp>
+        </mc:Choice>
+        <mc:Fallback>
+          <p:sp>
+            <p:nvSpPr>
+              <p:cNvPr id="11" name="Объект 10">
+                <a:extLst>
+                  <a:ext uri="{FF2B5EF4-FFF2-40B4-BE49-F238E27FC236}">
+                    <a16:creationId xmlns:a16="http://schemas.microsoft.com/office/drawing/2014/main" id="{D3F6C295-938F-1598-404E-BB93341AB3AC}"/>
+                  </a:ext>
+                </a:extLst>
+              </p:cNvPr>
+              <p:cNvSpPr>
+                <a:spLocks noGrp="1" noRot="1" noChangeAspect="1" noMove="1" noResize="1" noEditPoints="1" noAdjustHandles="1" noChangeArrowheads="1" noChangeShapeType="1" noTextEdit="1"/>
+              </p:cNvSpPr>
+              <p:nvPr>
+                <p:ph sz="half" idx="2"/>
+              </p:nvPr>
+            </p:nvSpPr>
+            <p:spPr>
+              <a:blipFill>
+                <a:blip r:embed="rId2"/>
+                <a:stretch>
+                  <a:fillRect t="-1401"/>
+                </a:stretch>
+              </a:blipFill>
+            </p:spPr>
+            <p:txBody>
+              <a:bodyPr/>
+              <a:lstStyle/>
+              <a:p>
+                <a:r>
+                  <a:rPr lang="ru-RU">
+                    <a:noFill/>
+                  </a:rPr>
+                  <a:t> </a:t>
+                </a:r>
+              </a:p>
+            </p:txBody>
+          </p:sp>
+        </mc:Fallback>
+      </mc:AlternateContent>
+      <p:sp>
+        <p:nvSpPr>
+          <p:cNvPr id="13" name="Номер слайда 12">
+            <a:extLst>
+              <a:ext uri="{FF2B5EF4-FFF2-40B4-BE49-F238E27FC236}">
+                <a16:creationId xmlns:a16="http://schemas.microsoft.com/office/drawing/2014/main" id="{7FD424FA-8E97-85DE-2BD1-9AAF8D24CAB8}"/>
               </a:ext>
             </a:extLst>
           </p:cNvPr>
@@ -4999,6 +5735,41 @@
           <a:chExt cx="0" cy="0"/>
         </a:xfrm>
       </p:grpSpPr>
+      <p:pic>
+        <p:nvPicPr>
+          <p:cNvPr id="6" name="Объект 5">
+            <a:extLst>
+              <a:ext uri="{FF2B5EF4-FFF2-40B4-BE49-F238E27FC236}">
+                <a16:creationId xmlns:a16="http://schemas.microsoft.com/office/drawing/2014/main" id="{657124DE-E132-FCDC-0BD2-383CCAC2439D}"/>
+              </a:ext>
+            </a:extLst>
+          </p:cNvPr>
+          <p:cNvPicPr>
+            <a:picLocks noGrp="1" noChangeAspect="1"/>
+          </p:cNvPicPr>
+          <p:nvPr>
+            <p:ph idx="1"/>
+          </p:nvPr>
+        </p:nvPicPr>
+        <p:blipFill>
+          <a:blip r:embed="rId2">
+            <a:extLst>
+              <a:ext uri="{28A0092B-C50C-407E-A947-70E740481C1C}">
+                <a14:useLocalDpi xmlns:a14="http://schemas.microsoft.com/office/drawing/2010/main" val="0"/>
+              </a:ext>
+            </a:extLst>
+          </a:blip>
+          <a:stretch>
+            <a:fillRect/>
+          </a:stretch>
+        </p:blipFill>
+        <p:spPr>
+          <a:xfrm>
+            <a:off x="838200" y="1435128"/>
+            <a:ext cx="10839450" cy="4989485"/>
+          </a:xfrm>
+        </p:spPr>
+      </p:pic>
       <p:sp>
         <p:nvSpPr>
           <p:cNvPr id="2" name="Заголовок 1">
@@ -5020,32 +5791,10 @@
           <a:bodyPr/>
           <a:lstStyle/>
           <a:p>
-            <a:endParaRPr lang="ru-RU"/>
-          </a:p>
-        </p:txBody>
-      </p:sp>
-      <p:sp>
-        <p:nvSpPr>
-          <p:cNvPr id="3" name="Объект 2">
-            <a:extLst>
-              <a:ext uri="{FF2B5EF4-FFF2-40B4-BE49-F238E27FC236}">
-                <a16:creationId xmlns:a16="http://schemas.microsoft.com/office/drawing/2014/main" id="{B5CC60A9-6284-49C4-E676-336E6641195E}"/>
-              </a:ext>
-            </a:extLst>
-          </p:cNvPr>
-          <p:cNvSpPr>
-            <a:spLocks noGrp="1"/>
-          </p:cNvSpPr>
-          <p:nvPr>
-            <p:ph idx="1"/>
-          </p:nvPr>
-        </p:nvSpPr>
-        <p:spPr/>
-        <p:txBody>
-          <a:bodyPr/>
-          <a:lstStyle/>
-          <a:p>
-            <a:endParaRPr lang="ru-RU"/>
+            <a:r>
+              <a:rPr lang="ru-RU" dirty="0"/>
+              <a:t>Сравнение с другими алгоритмами</a:t>
+            </a:r>
           </a:p>
         </p:txBody>
       </p:sp>
@@ -5113,7 +5862,7 @@
           <p:cNvPr id="2" name="Заголовок 1">
             <a:extLst>
               <a:ext uri="{FF2B5EF4-FFF2-40B4-BE49-F238E27FC236}">
-                <a16:creationId xmlns:a16="http://schemas.microsoft.com/office/drawing/2014/main" id="{46B7CAF3-23E1-C666-B1FF-062877B66E8B}"/>
+                <a16:creationId xmlns:a16="http://schemas.microsoft.com/office/drawing/2014/main" id="{1A58A737-B8F5-A4B0-1353-CDB7B59ABE89}"/>
               </a:ext>
             </a:extLst>
           </p:cNvPr>
@@ -5131,41 +5880,7 @@
           <a:p>
             <a:r>
               <a:rPr lang="ru-RU" dirty="0"/>
-              <a:t>Дальнейшее развитее</a:t>
-            </a:r>
-          </a:p>
-        </p:txBody>
-      </p:sp>
-      <p:sp>
-        <p:nvSpPr>
-          <p:cNvPr id="3" name="Объект 2">
-            <a:extLst>
-              <a:ext uri="{FF2B5EF4-FFF2-40B4-BE49-F238E27FC236}">
-                <a16:creationId xmlns:a16="http://schemas.microsoft.com/office/drawing/2014/main" id="{8D5ACF70-5B18-69FF-E3FC-3CFB877637F7}"/>
-              </a:ext>
-            </a:extLst>
-          </p:cNvPr>
-          <p:cNvSpPr>
-            <a:spLocks noGrp="1"/>
-          </p:cNvSpPr>
-          <p:nvPr>
-            <p:ph idx="1"/>
-          </p:nvPr>
-        </p:nvSpPr>
-        <p:spPr/>
-        <p:txBody>
-          <a:bodyPr/>
-          <a:lstStyle/>
-          <a:p>
-            <a:r>
-              <a:rPr lang="ru-RU" dirty="0"/>
-              <a:t>Добавить процесс преобразование терминов к начальной форме</a:t>
-            </a:r>
-          </a:p>
-          <a:p>
-            <a:r>
-              <a:rPr lang="ru-RU" dirty="0"/>
-              <a:t>Добавить автоматическое определение языка</a:t>
+              <a:t>Результаты сравнения</a:t>
             </a:r>
           </a:p>
         </p:txBody>
@@ -5175,7 +5890,7 @@
           <p:cNvPr id="4" name="Номер слайда 3">
             <a:extLst>
               <a:ext uri="{FF2B5EF4-FFF2-40B4-BE49-F238E27FC236}">
-                <a16:creationId xmlns:a16="http://schemas.microsoft.com/office/drawing/2014/main" id="{3D6D6C05-2553-0120-3B2B-810D0241339B}"/>
+                <a16:creationId xmlns:a16="http://schemas.microsoft.com/office/drawing/2014/main" id="{CBD0CAF0-D958-6CDD-0935-9125F802FC24}"/>
               </a:ext>
             </a:extLst>
           </p:cNvPr>
@@ -5199,10 +5914,347 @@
           </a:p>
         </p:txBody>
       </p:sp>
+      <p:graphicFrame>
+        <p:nvGraphicFramePr>
+          <p:cNvPr id="5" name="Таблица 5">
+            <a:extLst>
+              <a:ext uri="{FF2B5EF4-FFF2-40B4-BE49-F238E27FC236}">
+                <a16:creationId xmlns:a16="http://schemas.microsoft.com/office/drawing/2014/main" id="{D5833081-6A83-A245-7DE3-3995D9BDCF3E}"/>
+              </a:ext>
+            </a:extLst>
+          </p:cNvPr>
+          <p:cNvGraphicFramePr>
+            <a:graphicFrameLocks noGrp="1"/>
+          </p:cNvGraphicFramePr>
+          <p:nvPr>
+            <p:extLst>
+              <p:ext uri="{D42A27DB-BD31-4B8C-83A1-F6EECF244321}">
+                <p14:modId xmlns:p14="http://schemas.microsoft.com/office/powerpoint/2010/main" val="2667145486"/>
+              </p:ext>
+            </p:extLst>
+          </p:nvPr>
+        </p:nvGraphicFramePr>
+        <p:xfrm>
+          <a:off x="838200" y="2638823"/>
+          <a:ext cx="10652168" cy="2769391"/>
+        </p:xfrm>
+        <a:graphic>
+          <a:graphicData uri="http://schemas.openxmlformats.org/drawingml/2006/table">
+            <a:tbl>
+              <a:tblPr firstRow="1" bandRow="1">
+                <a:tableStyleId>{5940675A-B579-460E-94D1-54222C63F5DA}</a:tableStyleId>
+              </a:tblPr>
+              <a:tblGrid>
+                <a:gridCol w="3811979">
+                  <a:extLst>
+                    <a:ext uri="{9D8B030D-6E8A-4147-A177-3AD203B41FA5}">
+                      <a16:colId xmlns:a16="http://schemas.microsoft.com/office/drawing/2014/main" val="2263731447"/>
+                    </a:ext>
+                  </a:extLst>
+                </a:gridCol>
+                <a:gridCol w="1514105">
+                  <a:extLst>
+                    <a:ext uri="{9D8B030D-6E8A-4147-A177-3AD203B41FA5}">
+                      <a16:colId xmlns:a16="http://schemas.microsoft.com/office/drawing/2014/main" val="1769883018"/>
+                    </a:ext>
+                  </a:extLst>
+                </a:gridCol>
+                <a:gridCol w="2663042">
+                  <a:extLst>
+                    <a:ext uri="{9D8B030D-6E8A-4147-A177-3AD203B41FA5}">
+                      <a16:colId xmlns:a16="http://schemas.microsoft.com/office/drawing/2014/main" val="1258743605"/>
+                    </a:ext>
+                  </a:extLst>
+                </a:gridCol>
+                <a:gridCol w="2663042">
+                  <a:extLst>
+                    <a:ext uri="{9D8B030D-6E8A-4147-A177-3AD203B41FA5}">
+                      <a16:colId xmlns:a16="http://schemas.microsoft.com/office/drawing/2014/main" val="372106726"/>
+                    </a:ext>
+                  </a:extLst>
+                </a:gridCol>
+              </a:tblGrid>
+              <a:tr h="585987">
+                <a:tc>
+                  <a:txBody>
+                    <a:bodyPr/>
+                    <a:lstStyle/>
+                    <a:p>
+                      <a:r>
+                        <a:rPr lang="ru-RU" dirty="0"/>
+                        <a:t>Метрики</a:t>
+                      </a:r>
+                    </a:p>
+                  </a:txBody>
+                  <a:tcPr/>
+                </a:tc>
+                <a:tc>
+                  <a:txBody>
+                    <a:bodyPr/>
+                    <a:lstStyle/>
+                    <a:p>
+                      <a:pPr algn="ctr"/>
+                      <a:r>
+                        <a:rPr lang="en-US" dirty="0" err="1"/>
+                        <a:t>Yake</a:t>
+                      </a:r>
+                      <a:r>
+                        <a:rPr lang="en-US" dirty="0"/>
+                        <a:t>(mod)</a:t>
+                      </a:r>
+                      <a:endParaRPr lang="ru-RU" dirty="0"/>
+                    </a:p>
+                  </a:txBody>
+                  <a:tcPr/>
+                </a:tc>
+                <a:tc>
+                  <a:txBody>
+                    <a:bodyPr/>
+                    <a:lstStyle/>
+                    <a:p>
+                      <a:pPr algn="ctr"/>
+                      <a:r>
+                        <a:rPr lang="en-US" dirty="0" err="1"/>
+                        <a:t>Textrank</a:t>
+                      </a:r>
+                      <a:endParaRPr lang="ru-RU" dirty="0"/>
+                    </a:p>
+                  </a:txBody>
+                  <a:tcPr/>
+                </a:tc>
+                <a:tc>
+                  <a:txBody>
+                    <a:bodyPr/>
+                    <a:lstStyle/>
+                    <a:p>
+                      <a:pPr algn="ctr"/>
+                      <a:r>
+                        <a:rPr lang="en-US" dirty="0"/>
+                        <a:t>Rake</a:t>
+                      </a:r>
+                      <a:endParaRPr lang="ru-RU" dirty="0"/>
+                    </a:p>
+                  </a:txBody>
+                  <a:tcPr/>
+                </a:tc>
+                <a:extLst>
+                  <a:ext uri="{0D108BD9-81ED-4DB2-BD59-A6C34878D82A}">
+                    <a16:rowId xmlns:a16="http://schemas.microsoft.com/office/drawing/2014/main" val="677834813"/>
+                  </a:ext>
+                </a:extLst>
+              </a:tr>
+              <a:tr h="1011430">
+                <a:tc>
+                  <a:txBody>
+                    <a:bodyPr/>
+                    <a:lstStyle/>
+                    <a:p>
+                      <a:pPr algn="l"/>
+                      <a:r>
+                        <a:rPr lang="ru-RU" dirty="0"/>
+                        <a:t>Максимальный </a:t>
+                      </a:r>
+                      <a:r>
+                        <a:rPr lang="en-US" dirty="0"/>
+                        <a:t>% </a:t>
+                      </a:r>
+                      <a:r>
+                        <a:rPr lang="ru-RU" dirty="0"/>
+                        <a:t>пересечения</a:t>
+                      </a:r>
+                    </a:p>
+                  </a:txBody>
+                  <a:tcPr anchor="ctr"/>
+                </a:tc>
+                <a:tc>
+                  <a:txBody>
+                    <a:bodyPr/>
+                    <a:lstStyle/>
+                    <a:p>
+                      <a:pPr algn="ctr"/>
+                      <a:r>
+                        <a:rPr lang="en-US" dirty="0"/>
+                        <a:t>100%</a:t>
+                      </a:r>
+                    </a:p>
+                  </a:txBody>
+                  <a:tcPr anchor="ctr"/>
+                </a:tc>
+                <a:tc>
+                  <a:txBody>
+                    <a:bodyPr/>
+                    <a:lstStyle/>
+                    <a:p>
+                      <a:pPr algn="ctr"/>
+                      <a:r>
+                        <a:rPr lang="en-US" dirty="0"/>
+                        <a:t>71%</a:t>
+                      </a:r>
+                      <a:endParaRPr lang="ru-RU" dirty="0"/>
+                    </a:p>
+                  </a:txBody>
+                  <a:tcPr anchor="ctr"/>
+                </a:tc>
+                <a:tc>
+                  <a:txBody>
+                    <a:bodyPr/>
+                    <a:lstStyle/>
+                    <a:p>
+                      <a:pPr algn="ctr"/>
+                      <a:r>
+                        <a:rPr lang="en-US" dirty="0"/>
+                        <a:t>50%</a:t>
+                      </a:r>
+                      <a:endParaRPr lang="ru-RU" dirty="0"/>
+                    </a:p>
+                  </a:txBody>
+                  <a:tcPr anchor="ctr"/>
+                </a:tc>
+                <a:extLst>
+                  <a:ext uri="{0D108BD9-81ED-4DB2-BD59-A6C34878D82A}">
+                    <a16:rowId xmlns:a16="http://schemas.microsoft.com/office/drawing/2014/main" val="3832295917"/>
+                  </a:ext>
+                </a:extLst>
+              </a:tr>
+              <a:tr h="585987">
+                <a:tc>
+                  <a:txBody>
+                    <a:bodyPr/>
+                    <a:lstStyle/>
+                    <a:p>
+                      <a:pPr algn="l"/>
+                      <a:r>
+                        <a:rPr lang="ru-RU" dirty="0"/>
+                        <a:t>Средний % пересечения</a:t>
+                      </a:r>
+                    </a:p>
+                  </a:txBody>
+                  <a:tcPr anchor="ctr"/>
+                </a:tc>
+                <a:tc>
+                  <a:txBody>
+                    <a:bodyPr/>
+                    <a:lstStyle/>
+                    <a:p>
+                      <a:pPr algn="ctr"/>
+                      <a:r>
+                        <a:rPr lang="en-US" dirty="0"/>
+                        <a:t>42%</a:t>
+                      </a:r>
+                      <a:endParaRPr lang="ru-RU" dirty="0"/>
+                    </a:p>
+                  </a:txBody>
+                  <a:tcPr anchor="ctr"/>
+                </a:tc>
+                <a:tc>
+                  <a:txBody>
+                    <a:bodyPr/>
+                    <a:lstStyle/>
+                    <a:p>
+                      <a:pPr algn="ctr"/>
+                      <a:r>
+                        <a:rPr lang="en-US" dirty="0"/>
+                        <a:t>25%</a:t>
+                      </a:r>
+                      <a:endParaRPr lang="ru-RU" dirty="0"/>
+                    </a:p>
+                  </a:txBody>
+                  <a:tcPr anchor="ctr"/>
+                </a:tc>
+                <a:tc>
+                  <a:txBody>
+                    <a:bodyPr/>
+                    <a:lstStyle/>
+                    <a:p>
+                      <a:pPr algn="ctr"/>
+                      <a:r>
+                        <a:rPr lang="en-US" dirty="0"/>
+                        <a:t>2%</a:t>
+                      </a:r>
+                      <a:endParaRPr lang="ru-RU" dirty="0"/>
+                    </a:p>
+                  </a:txBody>
+                  <a:tcPr anchor="ctr"/>
+                </a:tc>
+                <a:extLst>
+                  <a:ext uri="{0D108BD9-81ED-4DB2-BD59-A6C34878D82A}">
+                    <a16:rowId xmlns:a16="http://schemas.microsoft.com/office/drawing/2014/main" val="2855745523"/>
+                  </a:ext>
+                </a:extLst>
+              </a:tr>
+              <a:tr h="585987">
+                <a:tc>
+                  <a:txBody>
+                    <a:bodyPr/>
+                    <a:lstStyle/>
+                    <a:p>
+                      <a:pPr algn="l"/>
+                      <a:r>
+                        <a:rPr lang="ru-RU" dirty="0"/>
+                        <a:t>Минимальный % пересечения</a:t>
+                      </a:r>
+                    </a:p>
+                  </a:txBody>
+                  <a:tcPr anchor="ctr"/>
+                </a:tc>
+                <a:tc>
+                  <a:txBody>
+                    <a:bodyPr/>
+                    <a:lstStyle/>
+                    <a:p>
+                      <a:pPr algn="ctr"/>
+                      <a:r>
+                        <a:rPr lang="en-US" dirty="0"/>
+                        <a:t>0%</a:t>
+                      </a:r>
+                      <a:endParaRPr lang="ru-RU" dirty="0"/>
+                    </a:p>
+                  </a:txBody>
+                  <a:tcPr anchor="ctr"/>
+                </a:tc>
+                <a:tc>
+                  <a:txBody>
+                    <a:bodyPr/>
+                    <a:lstStyle/>
+                    <a:p>
+                      <a:pPr algn="ctr"/>
+                      <a:r>
+                        <a:rPr lang="en-US" dirty="0"/>
+                        <a:t>0%</a:t>
+                      </a:r>
+                    </a:p>
+                  </a:txBody>
+                  <a:tcPr anchor="ctr"/>
+                </a:tc>
+                <a:tc>
+                  <a:txBody>
+                    <a:bodyPr/>
+                    <a:lstStyle/>
+                    <a:p>
+                      <a:pPr algn="ctr"/>
+                      <a:r>
+                        <a:rPr lang="en-US" dirty="0"/>
+                        <a:t>0%</a:t>
+                      </a:r>
+                      <a:endParaRPr lang="ru-RU" dirty="0"/>
+                    </a:p>
+                  </a:txBody>
+                  <a:tcPr anchor="ctr"/>
+                </a:tc>
+                <a:extLst>
+                  <a:ext uri="{0D108BD9-81ED-4DB2-BD59-A6C34878D82A}">
+                    <a16:rowId xmlns:a16="http://schemas.microsoft.com/office/drawing/2014/main" val="1228029477"/>
+                  </a:ext>
+                </a:extLst>
+              </a:tr>
+            </a:tbl>
+          </a:graphicData>
+        </a:graphic>
+      </p:graphicFrame>
     </p:spTree>
     <p:extLst>
       <p:ext uri="{BB962C8B-B14F-4D97-AF65-F5344CB8AC3E}">
-        <p14:creationId xmlns:p14="http://schemas.microsoft.com/office/powerpoint/2010/main" val="43186148"/>
+        <p14:creationId xmlns:p14="http://schemas.microsoft.com/office/powerpoint/2010/main" val="2774872132"/>
       </p:ext>
     </p:extLst>
   </p:cSld>
@@ -5234,7 +6286,7 @@
           <p:cNvPr id="2" name="Заголовок 1">
             <a:extLst>
               <a:ext uri="{FF2B5EF4-FFF2-40B4-BE49-F238E27FC236}">
-                <a16:creationId xmlns:a16="http://schemas.microsoft.com/office/drawing/2014/main" id="{CD5FECDF-A234-7B8E-FE3A-61DA6E9E495E}"/>
+                <a16:creationId xmlns:a16="http://schemas.microsoft.com/office/drawing/2014/main" id="{7BE03E72-BAFC-F454-5B33-34DE962C4C5F}"/>
               </a:ext>
             </a:extLst>
           </p:cNvPr>
@@ -5252,7 +6304,7 @@
           <a:p>
             <a:r>
               <a:rPr lang="ru-RU" dirty="0"/>
-              <a:t>Заключение</a:t>
+              <a:t>Исследование н-грамм</a:t>
             </a:r>
           </a:p>
         </p:txBody>
@@ -5262,7 +6314,7 @@
           <p:cNvPr id="3" name="Объект 2">
             <a:extLst>
               <a:ext uri="{FF2B5EF4-FFF2-40B4-BE49-F238E27FC236}">
-                <a16:creationId xmlns:a16="http://schemas.microsoft.com/office/drawing/2014/main" id="{589D4487-08A7-0AA2-BE42-57790FEBCD93}"/>
+                <a16:creationId xmlns:a16="http://schemas.microsoft.com/office/drawing/2014/main" id="{F0C20C32-EEF7-DF2A-4A9A-5F76FA2FB909}"/>
               </a:ext>
             </a:extLst>
           </p:cNvPr>
@@ -5273,159 +6325,466 @@
             <p:ph idx="1"/>
           </p:nvPr>
         </p:nvSpPr>
-        <p:spPr/>
-        <p:txBody>
-          <a:bodyPr/>
+        <p:spPr>
+          <a:xfrm>
+            <a:off x="838200" y="1690688"/>
+            <a:ext cx="10515600" cy="4351338"/>
+          </a:xfrm>
+        </p:spPr>
+        <p:txBody>
+          <a:bodyPr>
+            <a:normAutofit lnSpcReduction="10000"/>
+          </a:bodyPr>
           <a:lstStyle/>
           <a:p>
             <a:pPr marL="0" indent="0">
               <a:buNone/>
             </a:pPr>
             <a:r>
-              <a:rPr lang="ru-RU" sz="2000" dirty="0">
+              <a:rPr lang="ru-RU" b="1" dirty="0">
                 <a:latin typeface="+mj-lt"/>
               </a:rPr>
-              <a:t>В результате выполнения работы поставленная цель была достигнута, а также были решены следующие задачи: </a:t>
-            </a:r>
-          </a:p>
-          <a:p>
-            <a:pPr marL="0" indent="0">
-              <a:buNone/>
-            </a:pPr>
-            <a:endParaRPr lang="ru-RU" sz="2000" dirty="0">
+              <a:t>Документ</a:t>
+            </a:r>
+            <a:r>
+              <a:rPr lang="ru-RU" dirty="0">
+                <a:latin typeface="+mj-lt"/>
+              </a:rPr>
+              <a:t>: Идентификация личности по фрактальной размерности отпечатков пальцев и системы контроля и управления доступом</a:t>
+            </a:r>
+            <a:endParaRPr lang="en-US" dirty="0">
               <a:latin typeface="+mj-lt"/>
             </a:endParaRPr>
           </a:p>
           <a:p>
-            <a:pPr marL="457200" indent="-457200">
-              <a:buFont typeface="+mj-lt"/>
-              <a:buAutoNum type="arabicPeriod"/>
+            <a:pPr marL="0" indent="0">
+              <a:buNone/>
             </a:pPr>
             <a:r>
-              <a:rPr lang="ru-RU" sz="2000" dirty="0">
+              <a:rPr lang="ru-RU" dirty="0">
                 <a:latin typeface="+mj-lt"/>
               </a:rPr>
-              <a:t>Проведен анализ методов извлечения ключевых слов;</a:t>
-            </a:r>
-          </a:p>
-          <a:p>
-            <a:pPr marL="457200" indent="-457200">
-              <a:buFont typeface="+mj-lt"/>
-              <a:buAutoNum type="arabicPeriod"/>
+              <a:t> </a:t>
+            </a:r>
+          </a:p>
+          <a:p>
+            <a:pPr marL="0" indent="0">
+              <a:buNone/>
             </a:pPr>
             <a:r>
-              <a:rPr lang="ru-RU" sz="2000" dirty="0">
+              <a:rPr lang="ru-RU" b="1" dirty="0">
                 <a:latin typeface="+mj-lt"/>
               </a:rPr>
-              <a:t>Отобран метод по выбранные </a:t>
-            </a:r>
-            <a:r>
-              <a:rPr lang="ru-RU" sz="2000" dirty="0" err="1">
+              <a:t>Ссылка на документ</a:t>
+            </a:r>
+            <a:r>
+              <a:rPr lang="ru-RU" dirty="0">
                 <a:latin typeface="+mj-lt"/>
               </a:rPr>
-              <a:t>критерями</a:t>
-            </a:r>
-            <a:r>
-              <a:rPr lang="ru-RU" sz="2000" dirty="0">
+              <a:t>: </a:t>
+            </a:r>
+            <a:r>
+              <a:rPr lang="en-US" dirty="0">
+                <a:latin typeface="+mj-lt"/>
+                <a:hlinkClick r:id="rId2"/>
+              </a:rPr>
+              <a:t>https://cyberleninka.ru/article/n/identifikatsiya-lichnosti-po-fraktalnoy-razmernosti-otpechatkov-paltsev-i-sistemy-kontrolya-i-upravleniya-dostupom.pdf</a:t>
+            </a:r>
+            <a:endParaRPr lang="en-US" dirty="0">
+              <a:latin typeface="+mj-lt"/>
+            </a:endParaRPr>
+          </a:p>
+          <a:p>
+            <a:pPr marL="0" indent="0">
+              <a:buNone/>
+            </a:pPr>
+            <a:endParaRPr lang="en-US" dirty="0">
+              <a:latin typeface="+mj-lt"/>
+            </a:endParaRPr>
+          </a:p>
+          <a:p>
+            <a:pPr marL="0" indent="0">
+              <a:buNone/>
+            </a:pPr>
+            <a:r>
+              <a:rPr lang="ru-RU" dirty="0">
                 <a:latin typeface="+mj-lt"/>
               </a:rPr>
-              <a:t>;</a:t>
-            </a:r>
-          </a:p>
-          <a:p>
-            <a:pPr marL="457200" indent="-457200">
-              <a:buFont typeface="+mj-lt"/>
-              <a:buAutoNum type="arabicPeriod"/>
-            </a:pPr>
-            <a:r>
-              <a:rPr lang="ru-RU" sz="2000" dirty="0">
-                <a:latin typeface="+mj-lt"/>
-              </a:rPr>
-              <a:t>Проработана модификация;</a:t>
-            </a:r>
-          </a:p>
-          <a:p>
-            <a:pPr marL="457200" indent="-457200">
-              <a:buFont typeface="+mj-lt"/>
-              <a:buAutoNum type="arabicPeriod"/>
-            </a:pPr>
-            <a:r>
-              <a:rPr lang="ru-RU" sz="2000" dirty="0">
-                <a:latin typeface="+mj-lt"/>
-              </a:rPr>
-              <a:t>Разработана архитектура ПО;</a:t>
-            </a:r>
-          </a:p>
-          <a:p>
-            <a:pPr marL="457200" indent="-457200">
-              <a:buFont typeface="+mj-lt"/>
-              <a:buAutoNum type="arabicPeriod"/>
-            </a:pPr>
-            <a:r>
-              <a:rPr lang="ru-RU" sz="2000" dirty="0">
-                <a:latin typeface="+mj-lt"/>
-              </a:rPr>
-              <a:t>Выбраны инструменты реализации</a:t>
-            </a:r>
-          </a:p>
-          <a:p>
-            <a:pPr marL="457200" indent="-457200">
-              <a:buFont typeface="+mj-lt"/>
-              <a:buAutoNum type="arabicPeriod"/>
-            </a:pPr>
-            <a:r>
-              <a:rPr lang="ru-RU" sz="2000" dirty="0">
-                <a:latin typeface="+mj-lt"/>
-              </a:rPr>
-              <a:t>Реализовано программное обеспечение</a:t>
-            </a:r>
-          </a:p>
-          <a:p>
-            <a:pPr marL="457200" indent="-457200">
-              <a:buFont typeface="+mj-lt"/>
-              <a:buAutoNum type="arabicPeriod"/>
-            </a:pPr>
-            <a:r>
-              <a:rPr lang="ru-RU" sz="2000" dirty="0">
-                <a:latin typeface="+mj-lt"/>
-              </a:rPr>
-              <a:t>Проведено тестирование работы</a:t>
-            </a:r>
-          </a:p>
-          <a:p>
-            <a:pPr marL="457200" indent="-457200">
-              <a:buFont typeface="+mj-lt"/>
-              <a:buAutoNum type="arabicPeriod"/>
-            </a:pPr>
-            <a:r>
-              <a:rPr lang="ru-RU" sz="2000" dirty="0">
-                <a:latin typeface="+mj-lt"/>
-              </a:rPr>
-              <a:t>Проведены исследования </a:t>
-            </a:r>
-            <a:endParaRPr lang="en-US" sz="2000" dirty="0">
-              <a:latin typeface="+mj-lt"/>
-            </a:endParaRPr>
-          </a:p>
-          <a:p>
-            <a:pPr marL="0" indent="0">
-              <a:buNone/>
-            </a:pPr>
-            <a:endParaRPr lang="en-US" sz="2000" dirty="0">
-              <a:latin typeface="+mj-lt"/>
-            </a:endParaRPr>
-          </a:p>
-          <a:p>
+              <a:t>Ключевые слова: </a:t>
+            </a:r>
+            <a:r>
+              <a:rPr lang="ru-RU" dirty="0"/>
+              <a:t>биометрия, отпечаток пальца, фрактал, фрактальная размерность, идентификация и аутентификация личности, СКУД.</a:t>
+            </a:r>
             <a:endParaRPr lang="ru-RU" dirty="0">
               <a:latin typeface="+mj-lt"/>
             </a:endParaRPr>
           </a:p>
         </p:txBody>
       </p:sp>
+      <p:sp>
+        <p:nvSpPr>
+          <p:cNvPr id="4" name="Номер слайда 3">
+            <a:extLst>
+              <a:ext uri="{FF2B5EF4-FFF2-40B4-BE49-F238E27FC236}">
+                <a16:creationId xmlns:a16="http://schemas.microsoft.com/office/drawing/2014/main" id="{A09B5D25-03A3-D7F2-D005-CAFAE126F18C}"/>
+              </a:ext>
+            </a:extLst>
+          </p:cNvPr>
+          <p:cNvSpPr>
+            <a:spLocks noGrp="1"/>
+          </p:cNvSpPr>
+          <p:nvPr>
+            <p:ph type="sldNum" sz="quarter" idx="12"/>
+          </p:nvPr>
+        </p:nvSpPr>
+        <p:spPr/>
+        <p:txBody>
+          <a:bodyPr/>
+          <a:lstStyle/>
+          <a:p>
+            <a:fld id="{EB2452EA-49EB-437E-AEAF-228AB19C4ED2}" type="slidenum">
+              <a:rPr lang="ru-RU" smtClean="0"/>
+              <a:t>17</a:t>
+            </a:fld>
+            <a:endParaRPr lang="ru-RU"/>
+          </a:p>
+        </p:txBody>
+      </p:sp>
     </p:spTree>
     <p:extLst>
       <p:ext uri="{BB962C8B-B14F-4D97-AF65-F5344CB8AC3E}">
-        <p14:creationId xmlns:p14="http://schemas.microsoft.com/office/powerpoint/2010/main" val="19249968"/>
+        <p14:creationId xmlns:p14="http://schemas.microsoft.com/office/powerpoint/2010/main" val="1344736449"/>
+      </p:ext>
+    </p:extLst>
+  </p:cSld>
+  <p:clrMapOvr>
+    <a:masterClrMapping/>
+  </p:clrMapOvr>
+</p:sld>
+</file>
+
+<file path=ppt/slides/slide18.xml><?xml version="1.0" encoding="utf-8"?>
+<p:sld xmlns:a="http://schemas.openxmlformats.org/drawingml/2006/main" xmlns:r="http://schemas.openxmlformats.org/officeDocument/2006/relationships" xmlns:p="http://schemas.openxmlformats.org/presentationml/2006/main">
+  <p:cSld>
+    <p:spTree>
+      <p:nvGrpSpPr>
+        <p:cNvPr id="1" name=""/>
+        <p:cNvGrpSpPr/>
+        <p:nvPr/>
+      </p:nvGrpSpPr>
+      <p:grpSpPr>
+        <a:xfrm>
+          <a:off x="0" y="0"/>
+          <a:ext cx="0" cy="0"/>
+          <a:chOff x="0" y="0"/>
+          <a:chExt cx="0" cy="0"/>
+        </a:xfrm>
+      </p:grpSpPr>
+      <p:sp>
+        <p:nvSpPr>
+          <p:cNvPr id="2" name="Заголовок 1">
+            <a:extLst>
+              <a:ext uri="{FF2B5EF4-FFF2-40B4-BE49-F238E27FC236}">
+                <a16:creationId xmlns:a16="http://schemas.microsoft.com/office/drawing/2014/main" id="{66178A0F-B661-5B45-34D2-566CD5683002}"/>
+              </a:ext>
+            </a:extLst>
+          </p:cNvPr>
+          <p:cNvSpPr>
+            <a:spLocks noGrp="1"/>
+          </p:cNvSpPr>
+          <p:nvPr>
+            <p:ph type="title"/>
+          </p:nvPr>
+        </p:nvSpPr>
+        <p:spPr>
+          <a:xfrm>
+            <a:off x="838200" y="0"/>
+            <a:ext cx="10515600" cy="1325563"/>
+          </a:xfrm>
+        </p:spPr>
+        <p:txBody>
+          <a:bodyPr/>
+          <a:lstStyle/>
+          <a:p>
+            <a:r>
+              <a:rPr lang="ru-RU" dirty="0"/>
+              <a:t>Результат работы алгоритма от </a:t>
+            </a:r>
+            <a:r>
+              <a:rPr lang="en-US" dirty="0"/>
+              <a:t>N</a:t>
+            </a:r>
+            <a:endParaRPr lang="ru-RU" dirty="0"/>
+          </a:p>
+        </p:txBody>
+      </p:sp>
+      <p:sp>
+        <p:nvSpPr>
+          <p:cNvPr id="4" name="Номер слайда 3">
+            <a:extLst>
+              <a:ext uri="{FF2B5EF4-FFF2-40B4-BE49-F238E27FC236}">
+                <a16:creationId xmlns:a16="http://schemas.microsoft.com/office/drawing/2014/main" id="{6FBBB7FA-A4B6-A75C-AF80-84A2B437012F}"/>
+              </a:ext>
+            </a:extLst>
+          </p:cNvPr>
+          <p:cNvSpPr>
+            <a:spLocks noGrp="1"/>
+          </p:cNvSpPr>
+          <p:nvPr>
+            <p:ph type="sldNum" sz="quarter" idx="12"/>
+          </p:nvPr>
+        </p:nvSpPr>
+        <p:spPr>
+          <a:xfrm>
+            <a:off x="8953500" y="6356350"/>
+            <a:ext cx="2743200" cy="365125"/>
+          </a:xfrm>
+        </p:spPr>
+        <p:txBody>
+          <a:bodyPr/>
+          <a:lstStyle/>
+          <a:p>
+            <a:fld id="{EB2452EA-49EB-437E-AEAF-228AB19C4ED2}" type="slidenum">
+              <a:rPr lang="ru-RU" smtClean="0"/>
+              <a:t>18</a:t>
+            </a:fld>
+            <a:endParaRPr lang="ru-RU" dirty="0"/>
+          </a:p>
+        </p:txBody>
+      </p:sp>
+      <p:pic>
+        <p:nvPicPr>
+          <p:cNvPr id="8" name="Объект 7">
+            <a:extLst>
+              <a:ext uri="{FF2B5EF4-FFF2-40B4-BE49-F238E27FC236}">
+                <a16:creationId xmlns:a16="http://schemas.microsoft.com/office/drawing/2014/main" id="{92587C60-E5B0-80F4-F82A-E38F72EAA2FA}"/>
+              </a:ext>
+            </a:extLst>
+          </p:cNvPr>
+          <p:cNvPicPr>
+            <a:picLocks noGrp="1" noChangeAspect="1"/>
+          </p:cNvPicPr>
+          <p:nvPr>
+            <p:ph idx="1"/>
+          </p:nvPr>
+        </p:nvPicPr>
+        <p:blipFill>
+          <a:blip r:embed="rId2">
+            <a:extLst>
+              <a:ext uri="{28A0092B-C50C-407E-A947-70E740481C1C}">
+                <a14:useLocalDpi xmlns:a14="http://schemas.microsoft.com/office/drawing/2010/main" val="0"/>
+              </a:ext>
+            </a:extLst>
+          </a:blip>
+          <a:stretch>
+            <a:fillRect/>
+          </a:stretch>
+        </p:blipFill>
+        <p:spPr>
+          <a:xfrm>
+            <a:off x="600075" y="1148861"/>
+            <a:ext cx="10515600" cy="1671433"/>
+          </a:xfrm>
+        </p:spPr>
+      </p:pic>
+      <p:pic>
+        <p:nvPicPr>
+          <p:cNvPr id="10" name="Рисунок 9">
+            <a:extLst>
+              <a:ext uri="{FF2B5EF4-FFF2-40B4-BE49-F238E27FC236}">
+                <a16:creationId xmlns:a16="http://schemas.microsoft.com/office/drawing/2014/main" id="{A4AC4DFC-F032-2CA6-1EBC-DFB7523CBEFC}"/>
+              </a:ext>
+            </a:extLst>
+          </p:cNvPr>
+          <p:cNvPicPr>
+            <a:picLocks noChangeAspect="1"/>
+          </p:cNvPicPr>
+          <p:nvPr/>
+        </p:nvPicPr>
+        <p:blipFill>
+          <a:blip r:embed="rId3">
+            <a:extLst>
+              <a:ext uri="{28A0092B-C50C-407E-A947-70E740481C1C}">
+                <a14:useLocalDpi xmlns:a14="http://schemas.microsoft.com/office/drawing/2010/main" val="0"/>
+              </a:ext>
+            </a:extLst>
+          </a:blip>
+          <a:stretch>
+            <a:fillRect/>
+          </a:stretch>
+        </p:blipFill>
+        <p:spPr>
+          <a:xfrm>
+            <a:off x="600075" y="2860086"/>
+            <a:ext cx="10515600" cy="1797885"/>
+          </a:xfrm>
+          <a:prstGeom prst="rect">
+            <a:avLst/>
+          </a:prstGeom>
+        </p:spPr>
+      </p:pic>
+      <p:pic>
+        <p:nvPicPr>
+          <p:cNvPr id="12" name="Рисунок 11">
+            <a:extLst>
+              <a:ext uri="{FF2B5EF4-FFF2-40B4-BE49-F238E27FC236}">
+                <a16:creationId xmlns:a16="http://schemas.microsoft.com/office/drawing/2014/main" id="{F3CDBCC1-8326-8A31-9664-5A099F8193EA}"/>
+              </a:ext>
+            </a:extLst>
+          </p:cNvPr>
+          <p:cNvPicPr>
+            <a:picLocks noChangeAspect="1"/>
+          </p:cNvPicPr>
+          <p:nvPr/>
+        </p:nvPicPr>
+        <p:blipFill>
+          <a:blip r:embed="rId4">
+            <a:extLst>
+              <a:ext uri="{28A0092B-C50C-407E-A947-70E740481C1C}">
+                <a14:useLocalDpi xmlns:a14="http://schemas.microsoft.com/office/drawing/2010/main" val="0"/>
+              </a:ext>
+            </a:extLst>
+          </a:blip>
+          <a:stretch>
+            <a:fillRect/>
+          </a:stretch>
+        </p:blipFill>
+        <p:spPr>
+          <a:xfrm>
+            <a:off x="600075" y="4687879"/>
+            <a:ext cx="10515600" cy="2033596"/>
+          </a:xfrm>
+          <a:prstGeom prst="rect">
+            <a:avLst/>
+          </a:prstGeom>
+        </p:spPr>
+      </p:pic>
+    </p:spTree>
+    <p:extLst>
+      <p:ext uri="{BB962C8B-B14F-4D97-AF65-F5344CB8AC3E}">
+        <p14:creationId xmlns:p14="http://schemas.microsoft.com/office/powerpoint/2010/main" val="1155000967"/>
+      </p:ext>
+    </p:extLst>
+  </p:cSld>
+  <p:clrMapOvr>
+    <a:masterClrMapping/>
+  </p:clrMapOvr>
+</p:sld>
+</file>
+
+<file path=ppt/slides/slide19.xml><?xml version="1.0" encoding="utf-8"?>
+<p:sld xmlns:a="http://schemas.openxmlformats.org/drawingml/2006/main" xmlns:r="http://schemas.openxmlformats.org/officeDocument/2006/relationships" xmlns:p="http://schemas.openxmlformats.org/presentationml/2006/main">
+  <p:cSld>
+    <p:spTree>
+      <p:nvGrpSpPr>
+        <p:cNvPr id="1" name=""/>
+        <p:cNvGrpSpPr/>
+        <p:nvPr/>
+      </p:nvGrpSpPr>
+      <p:grpSpPr>
+        <a:xfrm>
+          <a:off x="0" y="0"/>
+          <a:ext cx="0" cy="0"/>
+          <a:chOff x="0" y="0"/>
+          <a:chExt cx="0" cy="0"/>
+        </a:xfrm>
+      </p:grpSpPr>
+      <p:sp>
+        <p:nvSpPr>
+          <p:cNvPr id="2" name="Заголовок 1">
+            <a:extLst>
+              <a:ext uri="{FF2B5EF4-FFF2-40B4-BE49-F238E27FC236}">
+                <a16:creationId xmlns:a16="http://schemas.microsoft.com/office/drawing/2014/main" id="{46B7CAF3-23E1-C666-B1FF-062877B66E8B}"/>
+              </a:ext>
+            </a:extLst>
+          </p:cNvPr>
+          <p:cNvSpPr>
+            <a:spLocks noGrp="1"/>
+          </p:cNvSpPr>
+          <p:nvPr>
+            <p:ph type="title"/>
+          </p:nvPr>
+        </p:nvSpPr>
+        <p:spPr/>
+        <p:txBody>
+          <a:bodyPr/>
+          <a:lstStyle/>
+          <a:p>
+            <a:r>
+              <a:rPr lang="ru-RU" dirty="0"/>
+              <a:t>Дальнейшее развитее</a:t>
+            </a:r>
+          </a:p>
+        </p:txBody>
+      </p:sp>
+      <p:sp>
+        <p:nvSpPr>
+          <p:cNvPr id="3" name="Объект 2">
+            <a:extLst>
+              <a:ext uri="{FF2B5EF4-FFF2-40B4-BE49-F238E27FC236}">
+                <a16:creationId xmlns:a16="http://schemas.microsoft.com/office/drawing/2014/main" id="{8D5ACF70-5B18-69FF-E3FC-3CFB877637F7}"/>
+              </a:ext>
+            </a:extLst>
+          </p:cNvPr>
+          <p:cNvSpPr>
+            <a:spLocks noGrp="1"/>
+          </p:cNvSpPr>
+          <p:nvPr>
+            <p:ph idx="1"/>
+          </p:nvPr>
+        </p:nvSpPr>
+        <p:spPr/>
+        <p:txBody>
+          <a:bodyPr/>
+          <a:lstStyle/>
+          <a:p>
+            <a:r>
+              <a:rPr lang="ru-RU" dirty="0"/>
+              <a:t>Добавить процесс преобразование терминов к начальной форме</a:t>
+            </a:r>
+          </a:p>
+          <a:p>
+            <a:r>
+              <a:rPr lang="ru-RU" dirty="0"/>
+              <a:t>Добавить автоматическое определение языка</a:t>
+            </a:r>
+          </a:p>
+        </p:txBody>
+      </p:sp>
+      <p:sp>
+        <p:nvSpPr>
+          <p:cNvPr id="4" name="Номер слайда 3">
+            <a:extLst>
+              <a:ext uri="{FF2B5EF4-FFF2-40B4-BE49-F238E27FC236}">
+                <a16:creationId xmlns:a16="http://schemas.microsoft.com/office/drawing/2014/main" id="{3D6D6C05-2553-0120-3B2B-810D0241339B}"/>
+              </a:ext>
+            </a:extLst>
+          </p:cNvPr>
+          <p:cNvSpPr>
+            <a:spLocks noGrp="1"/>
+          </p:cNvSpPr>
+          <p:nvPr>
+            <p:ph type="sldNum" sz="quarter" idx="12"/>
+          </p:nvPr>
+        </p:nvSpPr>
+        <p:spPr/>
+        <p:txBody>
+          <a:bodyPr/>
+          <a:lstStyle/>
+          <a:p>
+            <a:fld id="{EB2452EA-49EB-437E-AEAF-228AB19C4ED2}" type="slidenum">
+              <a:rPr lang="ru-RU" smtClean="0"/>
+              <a:t>19</a:t>
+            </a:fld>
+            <a:endParaRPr lang="ru-RU"/>
+          </a:p>
+        </p:txBody>
+      </p:sp>
+    </p:spTree>
+    <p:extLst>
+      <p:ext uri="{BB962C8B-B14F-4D97-AF65-F5344CB8AC3E}">
+        <p14:creationId xmlns:p14="http://schemas.microsoft.com/office/powerpoint/2010/main" val="43186148"/>
       </p:ext>
     </p:extLst>
   </p:cSld>
@@ -5546,19 +6905,6 @@
                 <a:latin typeface="Times New Roman" panose="02020603050405020304" pitchFamily="18" charset="0"/>
                 <a:cs typeface="Times New Roman" panose="02020603050405020304" pitchFamily="18" charset="0"/>
               </a:rPr>
-              <a:t>Модификация путем добавления извлечения н-грамм</a:t>
-            </a:r>
-          </a:p>
-          <a:p>
-            <a:pPr marL="514350" indent="-514350">
-              <a:buFont typeface="+mj-lt"/>
-              <a:buAutoNum type="arabicPeriod"/>
-            </a:pPr>
-            <a:r>
-              <a:rPr lang="ru-RU" sz="2400" dirty="0">
-                <a:latin typeface="Times New Roman" panose="02020603050405020304" pitchFamily="18" charset="0"/>
-                <a:cs typeface="Times New Roman" panose="02020603050405020304" pitchFamily="18" charset="0"/>
-              </a:rPr>
               <a:t>Разработка архитектуры решения</a:t>
             </a:r>
           </a:p>
@@ -5598,19 +6944,8 @@
                 <a:latin typeface="Times New Roman" panose="02020603050405020304" pitchFamily="18" charset="0"/>
                 <a:cs typeface="Times New Roman" panose="02020603050405020304" pitchFamily="18" charset="0"/>
               </a:rPr>
-              <a:t>Проведение </a:t>
-            </a:r>
-            <a:r>
-              <a:rPr lang="ru-RU" sz="2400" dirty="0" err="1">
-                <a:latin typeface="Times New Roman" panose="02020603050405020304" pitchFamily="18" charset="0"/>
-                <a:cs typeface="Times New Roman" panose="02020603050405020304" pitchFamily="18" charset="0"/>
-              </a:rPr>
-              <a:t>эксперементов</a:t>
-            </a:r>
-            <a:endParaRPr lang="ru-RU" sz="2400" dirty="0">
-              <a:latin typeface="Times New Roman" panose="02020603050405020304" pitchFamily="18" charset="0"/>
-              <a:cs typeface="Times New Roman" panose="02020603050405020304" pitchFamily="18" charset="0"/>
-            </a:endParaRPr>
+              <a:t>Проведение экспериментов</a:t>
+            </a:r>
           </a:p>
           <a:p>
             <a:pPr marL="514350" indent="-514350">
@@ -5662,10 +6997,291 @@
           </a:p>
         </p:txBody>
       </p:sp>
+      <p:sp>
+        <p:nvSpPr>
+          <p:cNvPr id="2" name="Номер слайда 1">
+            <a:extLst>
+              <a:ext uri="{FF2B5EF4-FFF2-40B4-BE49-F238E27FC236}">
+                <a16:creationId xmlns:a16="http://schemas.microsoft.com/office/drawing/2014/main" id="{D5E1D2DF-55CD-9A94-B7CA-A99AC1F22AC4}"/>
+              </a:ext>
+            </a:extLst>
+          </p:cNvPr>
+          <p:cNvSpPr>
+            <a:spLocks noGrp="1"/>
+          </p:cNvSpPr>
+          <p:nvPr>
+            <p:ph type="sldNum" sz="quarter" idx="12"/>
+          </p:nvPr>
+        </p:nvSpPr>
+        <p:spPr/>
+        <p:txBody>
+          <a:bodyPr/>
+          <a:lstStyle/>
+          <a:p>
+            <a:fld id="{EB2452EA-49EB-437E-AEAF-228AB19C4ED2}" type="slidenum">
+              <a:rPr lang="ru-RU" smtClean="0"/>
+              <a:t>2</a:t>
+            </a:fld>
+            <a:endParaRPr lang="ru-RU"/>
+          </a:p>
+        </p:txBody>
+      </p:sp>
     </p:spTree>
     <p:extLst>
       <p:ext uri="{BB962C8B-B14F-4D97-AF65-F5344CB8AC3E}">
         <p14:creationId xmlns:p14="http://schemas.microsoft.com/office/powerpoint/2010/main" val="1353037858"/>
+      </p:ext>
+    </p:extLst>
+  </p:cSld>
+  <p:clrMapOvr>
+    <a:masterClrMapping/>
+  </p:clrMapOvr>
+</p:sld>
+</file>
+
+<file path=ppt/slides/slide20.xml><?xml version="1.0" encoding="utf-8"?>
+<p:sld xmlns:a="http://schemas.openxmlformats.org/drawingml/2006/main" xmlns:r="http://schemas.openxmlformats.org/officeDocument/2006/relationships" xmlns:p="http://schemas.openxmlformats.org/presentationml/2006/main">
+  <p:cSld>
+    <p:spTree>
+      <p:nvGrpSpPr>
+        <p:cNvPr id="1" name=""/>
+        <p:cNvGrpSpPr/>
+        <p:nvPr/>
+      </p:nvGrpSpPr>
+      <p:grpSpPr>
+        <a:xfrm>
+          <a:off x="0" y="0"/>
+          <a:ext cx="0" cy="0"/>
+          <a:chOff x="0" y="0"/>
+          <a:chExt cx="0" cy="0"/>
+        </a:xfrm>
+      </p:grpSpPr>
+      <p:sp>
+        <p:nvSpPr>
+          <p:cNvPr id="2" name="Заголовок 1">
+            <a:extLst>
+              <a:ext uri="{FF2B5EF4-FFF2-40B4-BE49-F238E27FC236}">
+                <a16:creationId xmlns:a16="http://schemas.microsoft.com/office/drawing/2014/main" id="{CD5FECDF-A234-7B8E-FE3A-61DA6E9E495E}"/>
+              </a:ext>
+            </a:extLst>
+          </p:cNvPr>
+          <p:cNvSpPr>
+            <a:spLocks noGrp="1"/>
+          </p:cNvSpPr>
+          <p:nvPr>
+            <p:ph type="title"/>
+          </p:nvPr>
+        </p:nvSpPr>
+        <p:spPr/>
+        <p:txBody>
+          <a:bodyPr/>
+          <a:lstStyle/>
+          <a:p>
+            <a:r>
+              <a:rPr lang="ru-RU" dirty="0"/>
+              <a:t>Заключение</a:t>
+            </a:r>
+          </a:p>
+        </p:txBody>
+      </p:sp>
+      <p:sp>
+        <p:nvSpPr>
+          <p:cNvPr id="3" name="Объект 2">
+            <a:extLst>
+              <a:ext uri="{FF2B5EF4-FFF2-40B4-BE49-F238E27FC236}">
+                <a16:creationId xmlns:a16="http://schemas.microsoft.com/office/drawing/2014/main" id="{589D4487-08A7-0AA2-BE42-57790FEBCD93}"/>
+              </a:ext>
+            </a:extLst>
+          </p:cNvPr>
+          <p:cNvSpPr>
+            <a:spLocks noGrp="1"/>
+          </p:cNvSpPr>
+          <p:nvPr>
+            <p:ph idx="1"/>
+          </p:nvPr>
+        </p:nvSpPr>
+        <p:spPr/>
+        <p:txBody>
+          <a:bodyPr/>
+          <a:lstStyle/>
+          <a:p>
+            <a:pPr marL="0" indent="0">
+              <a:buNone/>
+            </a:pPr>
+            <a:r>
+              <a:rPr lang="ru-RU" sz="2000" dirty="0">
+                <a:latin typeface="+mj-lt"/>
+              </a:rPr>
+              <a:t>В результате выполнения работы поставленная цель была достигнута, а также были решены следующие задачи: </a:t>
+            </a:r>
+          </a:p>
+          <a:p>
+            <a:pPr marL="0" indent="0">
+              <a:buNone/>
+            </a:pPr>
+            <a:endParaRPr lang="ru-RU" sz="2000" dirty="0">
+              <a:latin typeface="+mj-lt"/>
+            </a:endParaRPr>
+          </a:p>
+          <a:p>
+            <a:pPr marL="457200" indent="-457200">
+              <a:buFont typeface="+mj-lt"/>
+              <a:buAutoNum type="arabicPeriod"/>
+            </a:pPr>
+            <a:r>
+              <a:rPr lang="ru-RU" sz="2000" dirty="0">
+                <a:latin typeface="+mj-lt"/>
+              </a:rPr>
+              <a:t>Проведен анализ методов извлечения ключевых слов;</a:t>
+            </a:r>
+          </a:p>
+          <a:p>
+            <a:pPr marL="457200" indent="-457200">
+              <a:buFont typeface="+mj-lt"/>
+              <a:buAutoNum type="arabicPeriod"/>
+            </a:pPr>
+            <a:r>
+              <a:rPr lang="ru-RU" sz="2000" dirty="0">
+                <a:latin typeface="+mj-lt"/>
+              </a:rPr>
+              <a:t>Отобран метод по выбранные </a:t>
+            </a:r>
+            <a:r>
+              <a:rPr lang="ru-RU" sz="2000" dirty="0" err="1">
+                <a:latin typeface="+mj-lt"/>
+              </a:rPr>
+              <a:t>критерями</a:t>
+            </a:r>
+            <a:r>
+              <a:rPr lang="ru-RU" sz="2000" dirty="0">
+                <a:latin typeface="+mj-lt"/>
+              </a:rPr>
+              <a:t>;</a:t>
+            </a:r>
+          </a:p>
+          <a:p>
+            <a:pPr marL="457200" indent="-457200">
+              <a:buFont typeface="+mj-lt"/>
+              <a:buAutoNum type="arabicPeriod"/>
+            </a:pPr>
+            <a:r>
+              <a:rPr lang="ru-RU" sz="2000" dirty="0">
+                <a:latin typeface="+mj-lt"/>
+              </a:rPr>
+              <a:t>Проработана модификация;</a:t>
+            </a:r>
+          </a:p>
+          <a:p>
+            <a:pPr marL="457200" indent="-457200">
+              <a:buFont typeface="+mj-lt"/>
+              <a:buAutoNum type="arabicPeriod"/>
+            </a:pPr>
+            <a:r>
+              <a:rPr lang="ru-RU" sz="2000" dirty="0">
+                <a:latin typeface="+mj-lt"/>
+              </a:rPr>
+              <a:t>Разработана архитектура ПО;</a:t>
+            </a:r>
+          </a:p>
+          <a:p>
+            <a:pPr marL="457200" indent="-457200">
+              <a:buFont typeface="+mj-lt"/>
+              <a:buAutoNum type="arabicPeriod"/>
+            </a:pPr>
+            <a:r>
+              <a:rPr lang="ru-RU" sz="2000" dirty="0">
+                <a:latin typeface="+mj-lt"/>
+              </a:rPr>
+              <a:t>Выбраны инструменты реализации</a:t>
+            </a:r>
+          </a:p>
+          <a:p>
+            <a:pPr marL="457200" indent="-457200">
+              <a:buFont typeface="+mj-lt"/>
+              <a:buAutoNum type="arabicPeriod"/>
+            </a:pPr>
+            <a:r>
+              <a:rPr lang="ru-RU" sz="2000" dirty="0">
+                <a:latin typeface="+mj-lt"/>
+              </a:rPr>
+              <a:t>Реализовано программное обеспечение</a:t>
+            </a:r>
+          </a:p>
+          <a:p>
+            <a:pPr marL="457200" indent="-457200">
+              <a:buFont typeface="+mj-lt"/>
+              <a:buAutoNum type="arabicPeriod"/>
+            </a:pPr>
+            <a:r>
+              <a:rPr lang="ru-RU" sz="2000" dirty="0">
+                <a:latin typeface="+mj-lt"/>
+              </a:rPr>
+              <a:t>Проведено тестирование работы</a:t>
+            </a:r>
+          </a:p>
+          <a:p>
+            <a:pPr marL="457200" indent="-457200">
+              <a:buFont typeface="+mj-lt"/>
+              <a:buAutoNum type="arabicPeriod"/>
+            </a:pPr>
+            <a:r>
+              <a:rPr lang="ru-RU" sz="2000" dirty="0">
+                <a:latin typeface="+mj-lt"/>
+              </a:rPr>
+              <a:t>Проведены исследования </a:t>
+            </a:r>
+            <a:endParaRPr lang="en-US" sz="2000" dirty="0">
+              <a:latin typeface="+mj-lt"/>
+            </a:endParaRPr>
+          </a:p>
+          <a:p>
+            <a:pPr marL="0" indent="0">
+              <a:buNone/>
+            </a:pPr>
+            <a:endParaRPr lang="en-US" sz="2000" dirty="0">
+              <a:latin typeface="+mj-lt"/>
+            </a:endParaRPr>
+          </a:p>
+          <a:p>
+            <a:endParaRPr lang="ru-RU" dirty="0">
+              <a:latin typeface="+mj-lt"/>
+            </a:endParaRPr>
+          </a:p>
+        </p:txBody>
+      </p:sp>
+      <p:sp>
+        <p:nvSpPr>
+          <p:cNvPr id="4" name="Номер слайда 3">
+            <a:extLst>
+              <a:ext uri="{FF2B5EF4-FFF2-40B4-BE49-F238E27FC236}">
+                <a16:creationId xmlns:a16="http://schemas.microsoft.com/office/drawing/2014/main" id="{EA47DC94-71FA-BCDD-D323-ACBE26DF8F43}"/>
+              </a:ext>
+            </a:extLst>
+          </p:cNvPr>
+          <p:cNvSpPr>
+            <a:spLocks noGrp="1"/>
+          </p:cNvSpPr>
+          <p:nvPr>
+            <p:ph type="sldNum" sz="quarter" idx="12"/>
+          </p:nvPr>
+        </p:nvSpPr>
+        <p:spPr/>
+        <p:txBody>
+          <a:bodyPr/>
+          <a:lstStyle/>
+          <a:p>
+            <a:fld id="{EB2452EA-49EB-437E-AEAF-228AB19C4ED2}" type="slidenum">
+              <a:rPr lang="ru-RU" smtClean="0"/>
+              <a:t>20</a:t>
+            </a:fld>
+            <a:endParaRPr lang="ru-RU"/>
+          </a:p>
+        </p:txBody>
+      </p:sp>
+    </p:spTree>
+    <p:extLst>
+      <p:ext uri="{BB962C8B-B14F-4D97-AF65-F5344CB8AC3E}">
+        <p14:creationId xmlns:p14="http://schemas.microsoft.com/office/powerpoint/2010/main" val="19249968"/>
       </p:ext>
     </p:extLst>
   </p:cSld>
@@ -5738,7 +7354,7 @@
           <p:nvPr>
             <p:extLst>
               <p:ext uri="{D42A27DB-BD31-4B8C-83A1-F6EECF244321}">
-                <p14:modId xmlns:p14="http://schemas.microsoft.com/office/powerpoint/2010/main" val="2445515188"/>
+                <p14:modId xmlns:p14="http://schemas.microsoft.com/office/powerpoint/2010/main" val="2973689458"/>
               </p:ext>
             </p:extLst>
           </p:nvPr>
@@ -6036,7 +7652,7 @@
                       <a:pPr algn="ctr"/>
                       <a:r>
                         <a:rPr lang="ru-RU" dirty="0"/>
-                        <a:t>Требует обучение</a:t>
+                        <a:t>Не требует обучения</a:t>
                       </a:r>
                     </a:p>
                   </a:txBody>
@@ -6150,6 +7766,35 @@
           </a:graphicData>
         </a:graphic>
       </p:graphicFrame>
+      <p:sp>
+        <p:nvSpPr>
+          <p:cNvPr id="4" name="Номер слайда 3">
+            <a:extLst>
+              <a:ext uri="{FF2B5EF4-FFF2-40B4-BE49-F238E27FC236}">
+                <a16:creationId xmlns:a16="http://schemas.microsoft.com/office/drawing/2014/main" id="{5C7C7BBE-2F3A-42C1-CC72-DE913E6E7CF3}"/>
+              </a:ext>
+            </a:extLst>
+          </p:cNvPr>
+          <p:cNvSpPr>
+            <a:spLocks noGrp="1"/>
+          </p:cNvSpPr>
+          <p:nvPr>
+            <p:ph type="sldNum" sz="quarter" idx="12"/>
+          </p:nvPr>
+        </p:nvSpPr>
+        <p:spPr/>
+        <p:txBody>
+          <a:bodyPr/>
+          <a:lstStyle/>
+          <a:p>
+            <a:fld id="{EB2452EA-49EB-437E-AEAF-228AB19C4ED2}" type="slidenum">
+              <a:rPr lang="ru-RU" smtClean="0"/>
+              <a:t>3</a:t>
+            </a:fld>
+            <a:endParaRPr lang="ru-RU"/>
+          </a:p>
+        </p:txBody>
+      </p:sp>
     </p:spTree>
     <p:extLst>
       <p:ext uri="{BB962C8B-B14F-4D97-AF65-F5344CB8AC3E}">
@@ -6262,14 +7907,14 @@
             <p:ph idx="1"/>
             <p:extLst>
               <p:ext uri="{D42A27DB-BD31-4B8C-83A1-F6EECF244321}">
-                <p14:modId xmlns:p14="http://schemas.microsoft.com/office/powerpoint/2010/main" val="2092845902"/>
+                <p14:modId xmlns:p14="http://schemas.microsoft.com/office/powerpoint/2010/main" val="4175714691"/>
               </p:ext>
             </p:extLst>
           </p:nvPr>
         </p:nvGraphicFramePr>
         <p:xfrm>
-          <a:off x="838200" y="1755094"/>
-          <a:ext cx="10515600" cy="4601256"/>
+          <a:off x="838199" y="1755094"/>
+          <a:ext cx="10601324" cy="4498976"/>
         </p:xfrm>
         <a:graphic>
           <a:graphicData uri="http://schemas.openxmlformats.org/drawingml/2006/table">
@@ -6278,38 +7923,31 @@
                 <a:tableStyleId>{5940675A-B579-460E-94D1-54222C63F5DA}</a:tableStyleId>
               </a:tblPr>
               <a:tblGrid>
-                <a:gridCol w="2103120">
+                <a:gridCol w="2650331">
                   <a:extLst>
                     <a:ext uri="{9D8B030D-6E8A-4147-A177-3AD203B41FA5}">
                       <a16:colId xmlns:a16="http://schemas.microsoft.com/office/drawing/2014/main" val="1923636937"/>
                     </a:ext>
                   </a:extLst>
                 </a:gridCol>
-                <a:gridCol w="2103120">
+                <a:gridCol w="2650331">
                   <a:extLst>
                     <a:ext uri="{9D8B030D-6E8A-4147-A177-3AD203B41FA5}">
                       <a16:colId xmlns:a16="http://schemas.microsoft.com/office/drawing/2014/main" val="1661300444"/>
                     </a:ext>
                   </a:extLst>
                 </a:gridCol>
-                <a:gridCol w="2103120">
+                <a:gridCol w="2650331">
                   <a:extLst>
                     <a:ext uri="{9D8B030D-6E8A-4147-A177-3AD203B41FA5}">
                       <a16:colId xmlns:a16="http://schemas.microsoft.com/office/drawing/2014/main" val="3861368304"/>
                     </a:ext>
                   </a:extLst>
                 </a:gridCol>
-                <a:gridCol w="2103120">
+                <a:gridCol w="2650331">
                   <a:extLst>
                     <a:ext uri="{9D8B030D-6E8A-4147-A177-3AD203B41FA5}">
                       <a16:colId xmlns:a16="http://schemas.microsoft.com/office/drawing/2014/main" val="2103877131"/>
-                    </a:ext>
-                  </a:extLst>
-                </a:gridCol>
-                <a:gridCol w="2103120">
-                  <a:extLst>
-                    <a:ext uri="{9D8B030D-6E8A-4147-A177-3AD203B41FA5}">
-                      <a16:colId xmlns:a16="http://schemas.microsoft.com/office/drawing/2014/main" val="545480372"/>
                     </a:ext>
                   </a:extLst>
                 </a:gridCol>
@@ -6374,22 +8012,6 @@
                           <a:cs typeface="Times New Roman" panose="02020603050405020304" pitchFamily="18" charset="0"/>
                         </a:rPr>
                         <a:t>Не привязан к предметной области применения</a:t>
-                      </a:r>
-                    </a:p>
-                  </a:txBody>
-                  <a:tcPr/>
-                </a:tc>
-                <a:tc>
-                  <a:txBody>
-                    <a:bodyPr/>
-                    <a:lstStyle/>
-                    <a:p>
-                      <a:r>
-                        <a:rPr lang="ru-RU" dirty="0">
-                          <a:latin typeface="Times New Roman" panose="02020603050405020304" pitchFamily="18" charset="0"/>
-                          <a:cs typeface="Times New Roman" panose="02020603050405020304" pitchFamily="18" charset="0"/>
-                        </a:rPr>
-                        <a:t>Не требует обучения</a:t>
                       </a:r>
                     </a:p>
                   </a:txBody>
@@ -6464,27 +8086,6 @@
                         <a:lumMod val="40000"/>
                         <a:lumOff val="60000"/>
                       </a:schemeClr>
-                    </a:solidFill>
-                  </a:tcPr>
-                </a:tc>
-                <a:tc>
-                  <a:txBody>
-                    <a:bodyPr/>
-                    <a:lstStyle/>
-                    <a:p>
-                      <a:pPr algn="ctr"/>
-                      <a:r>
-                        <a:rPr lang="ru-RU" dirty="0">
-                          <a:latin typeface="Times New Roman" panose="02020603050405020304" pitchFamily="18" charset="0"/>
-                          <a:cs typeface="Times New Roman" panose="02020603050405020304" pitchFamily="18" charset="0"/>
-                        </a:rPr>
-                        <a:t>+</a:t>
-                      </a:r>
-                    </a:p>
-                  </a:txBody>
-                  <a:tcPr anchor="ctr">
-                    <a:solidFill>
-                      <a:srgbClr val="FFFF00"/>
                     </a:solidFill>
                   </a:tcPr>
                 </a:tc>
@@ -6615,27 +8216,6 @@
                     </a:solidFill>
                   </a:tcPr>
                 </a:tc>
-                <a:tc>
-                  <a:txBody>
-                    <a:bodyPr/>
-                    <a:lstStyle/>
-                    <a:p>
-                      <a:pPr algn="ctr"/>
-                      <a:r>
-                        <a:rPr lang="ru-RU" dirty="0">
-                          <a:latin typeface="Times New Roman" panose="02020603050405020304" pitchFamily="18" charset="0"/>
-                          <a:cs typeface="Times New Roman" panose="02020603050405020304" pitchFamily="18" charset="0"/>
-                        </a:rPr>
-                        <a:t>+</a:t>
-                      </a:r>
-                    </a:p>
-                  </a:txBody>
-                  <a:tcPr anchor="ctr">
-                    <a:solidFill>
-                      <a:srgbClr val="FFFF00"/>
-                    </a:solidFill>
-                  </a:tcPr>
-                </a:tc>
                 <a:extLst>
                   <a:ext uri="{0D108BD9-81ED-4DB2-BD59-A6C34878D82A}">
                     <a16:rowId xmlns:a16="http://schemas.microsoft.com/office/drawing/2014/main" val="4236089824"/>
@@ -6721,30 +8301,6 @@
                   <a:tcPr anchor="ctr">
                     <a:solidFill>
                       <a:srgbClr val="FFFF00"/>
-                    </a:solidFill>
-                  </a:tcPr>
-                </a:tc>
-                <a:tc>
-                  <a:txBody>
-                    <a:bodyPr/>
-                    <a:lstStyle/>
-                    <a:p>
-                      <a:pPr algn="ctr"/>
-                      <a:r>
-                        <a:rPr lang="ru-RU" dirty="0">
-                          <a:latin typeface="Times New Roman" panose="02020603050405020304" pitchFamily="18" charset="0"/>
-                          <a:cs typeface="Times New Roman" panose="02020603050405020304" pitchFamily="18" charset="0"/>
-                        </a:rPr>
-                        <a:t>-</a:t>
-                      </a:r>
-                    </a:p>
-                  </a:txBody>
-                  <a:tcPr anchor="ctr">
-                    <a:solidFill>
-                      <a:schemeClr val="accent6">
-                        <a:lumMod val="40000"/>
-                        <a:lumOff val="60000"/>
-                      </a:schemeClr>
                     </a:solidFill>
                   </a:tcPr>
                 </a:tc>
@@ -6868,27 +8424,6 @@
                     </a:solidFill>
                   </a:tcPr>
                 </a:tc>
-                <a:tc>
-                  <a:txBody>
-                    <a:bodyPr/>
-                    <a:lstStyle/>
-                    <a:p>
-                      <a:pPr algn="ctr"/>
-                      <a:r>
-                        <a:rPr lang="ru-RU" dirty="0">
-                          <a:latin typeface="Times New Roman" panose="02020603050405020304" pitchFamily="18" charset="0"/>
-                          <a:cs typeface="Times New Roman" panose="02020603050405020304" pitchFamily="18" charset="0"/>
-                        </a:rPr>
-                        <a:t>+</a:t>
-                      </a:r>
-                    </a:p>
-                  </a:txBody>
-                  <a:tcPr anchor="ctr">
-                    <a:solidFill>
-                      <a:srgbClr val="FFFF00"/>
-                    </a:solidFill>
-                  </a:tcPr>
-                </a:tc>
                 <a:extLst>
                   <a:ext uri="{0D108BD9-81ED-4DB2-BD59-A6C34878D82A}">
                     <a16:rowId xmlns:a16="http://schemas.microsoft.com/office/drawing/2014/main" val="463438405"/>
@@ -7654,7 +9189,7 @@
         <p:spPr>
           <a:xfrm>
             <a:off x="288365" y="4817035"/>
-            <a:ext cx="4367306" cy="1015663"/>
+            <a:ext cx="4367306" cy="1661993"/>
           </a:xfrm>
           <a:prstGeom prst="rect">
             <a:avLst/>
@@ -7683,7 +9218,34 @@
               <a:rPr lang="ru-RU" sz="1400" dirty="0">
                 <a:latin typeface="+mj-lt"/>
               </a:rPr>
-              <a:t>Минимальный размер теста не менее 100 слов.</a:t>
+              <a:t>Минимальный размер теста не менее 50 слов.</a:t>
+            </a:r>
+            <a:endParaRPr lang="en-US" sz="1400" dirty="0">
+              <a:latin typeface="+mj-lt"/>
+            </a:endParaRPr>
+          </a:p>
+          <a:p>
+            <a:pPr marL="285750" indent="-285750">
+              <a:buFont typeface="Arial" panose="020B0604020202020204" pitchFamily="34" charset="0"/>
+              <a:buChar char="•"/>
+            </a:pPr>
+            <a:r>
+              <a:rPr lang="ru-RU" sz="1400" dirty="0">
+                <a:latin typeface="+mj-lt"/>
+              </a:rPr>
+              <a:t>Текст содержит описание одного предметного объекта</a:t>
+            </a:r>
+          </a:p>
+          <a:p>
+            <a:pPr marL="285750" indent="-285750">
+              <a:buFont typeface="Arial" panose="020B0604020202020204" pitchFamily="34" charset="0"/>
+              <a:buChar char="•"/>
+            </a:pPr>
+            <a:r>
+              <a:rPr lang="ru-RU" sz="1400" dirty="0">
+                <a:latin typeface="+mj-lt"/>
+              </a:rPr>
+              <a:t>Обязательное наличие шумовых слов</a:t>
             </a:r>
             <a:endParaRPr lang="en-US" sz="1400" dirty="0">
               <a:latin typeface="+mj-lt"/>
@@ -7702,6 +9264,35 @@
             <a:endParaRPr lang="ru-RU" dirty="0">
               <a:latin typeface="+mj-lt"/>
             </a:endParaRPr>
+          </a:p>
+        </p:txBody>
+      </p:sp>
+      <p:sp>
+        <p:nvSpPr>
+          <p:cNvPr id="3" name="Номер слайда 2">
+            <a:extLst>
+              <a:ext uri="{FF2B5EF4-FFF2-40B4-BE49-F238E27FC236}">
+                <a16:creationId xmlns:a16="http://schemas.microsoft.com/office/drawing/2014/main" id="{AA88E569-1089-BC22-F584-22F564BEF316}"/>
+              </a:ext>
+            </a:extLst>
+          </p:cNvPr>
+          <p:cNvSpPr>
+            <a:spLocks noGrp="1"/>
+          </p:cNvSpPr>
+          <p:nvPr>
+            <p:ph type="sldNum" sz="quarter" idx="12"/>
+          </p:nvPr>
+        </p:nvSpPr>
+        <p:spPr/>
+        <p:txBody>
+          <a:bodyPr/>
+          <a:lstStyle/>
+          <a:p>
+            <a:fld id="{EB2452EA-49EB-437E-AEAF-228AB19C4ED2}" type="slidenum">
+              <a:rPr lang="ru-RU" smtClean="0"/>
+              <a:t>7</a:t>
+            </a:fld>
+            <a:endParaRPr lang="ru-RU"/>
           </a:p>
         </p:txBody>
       </p:sp>
@@ -7846,6 +9437,35 @@
           <a:lstStyle/>
           <a:p>
             <a:pPr algn="ctr"/>
+            <a:endParaRPr lang="ru-RU"/>
+          </a:p>
+        </p:txBody>
+      </p:sp>
+      <p:sp>
+        <p:nvSpPr>
+          <p:cNvPr id="3" name="Номер слайда 2">
+            <a:extLst>
+              <a:ext uri="{FF2B5EF4-FFF2-40B4-BE49-F238E27FC236}">
+                <a16:creationId xmlns:a16="http://schemas.microsoft.com/office/drawing/2014/main" id="{E1C5FE42-DE99-4BC2-08E3-00667A524548}"/>
+              </a:ext>
+            </a:extLst>
+          </p:cNvPr>
+          <p:cNvSpPr>
+            <a:spLocks noGrp="1"/>
+          </p:cNvSpPr>
+          <p:nvPr>
+            <p:ph type="sldNum" sz="quarter" idx="12"/>
+          </p:nvPr>
+        </p:nvSpPr>
+        <p:spPr/>
+        <p:txBody>
+          <a:bodyPr/>
+          <a:lstStyle/>
+          <a:p>
+            <a:fld id="{EB2452EA-49EB-437E-AEAF-228AB19C4ED2}" type="slidenum">
+              <a:rPr lang="ru-RU" smtClean="0"/>
+              <a:t>8</a:t>
+            </a:fld>
             <a:endParaRPr lang="ru-RU"/>
           </a:p>
         </p:txBody>
